--- a/tradingStrategiesAnalysis_workingFlow.pptx
+++ b/tradingStrategiesAnalysis_workingFlow.pptx
@@ -9,6 +9,7 @@
     <p:sldId id="257" r:id="rId3"/>
     <p:sldId id="258" r:id="rId4"/>
     <p:sldId id="259" r:id="rId5"/>
+    <p:sldId id="260" r:id="rId6"/>
   </p:sldIdLst>
   <p:sldSz cx="12192000" cy="6858000"/>
   <p:notesSz cx="6858000" cy="9144000"/>
@@ -115,6 +116,10 @@
 </p:presentation>
 </file>
 
+<file path=ppt/revisionInfo.xml><?xml version="1.0" encoding="utf-8"?>
+<p1510:revInfo xmlns:a="http://schemas.openxmlformats.org/drawingml/2006/main" xmlns:r="http://schemas.openxmlformats.org/officeDocument/2006/relationships" xmlns:p1510="http://schemas.microsoft.com/office/powerpoint/2015/10/main"/>
+</file>
+
 <file path=ppt/diagrams/colors1.xml><?xml version="1.0" encoding="utf-8"?>
 <dgm:colorsDef xmlns:dgm="http://schemas.openxmlformats.org/drawingml/2006/diagram" xmlns:a="http://schemas.openxmlformats.org/drawingml/2006/main" uniqueId="urn:microsoft.com/office/officeart/2005/8/colors/accent1_2">
   <dgm:title val=""/>
@@ -828,6 +833,813 @@
   <dgm:styleLbl name="fgShp">
     <dgm:fillClrLst meth="repeat">
       <a:schemeClr val="accent1">
+        <a:tint val="60000"/>
+      </a:schemeClr>
+    </dgm:fillClrLst>
+    <dgm:linClrLst meth="repeat">
+      <a:schemeClr val="lt1"/>
+    </dgm:linClrLst>
+    <dgm:effectClrLst/>
+    <dgm:txLinClrLst/>
+    <dgm:txFillClrLst meth="repeat">
+      <a:schemeClr val="dk1"/>
+    </dgm:txFillClrLst>
+    <dgm:txEffectClrLst/>
+  </dgm:styleLbl>
+  <dgm:styleLbl name="revTx">
+    <dgm:fillClrLst meth="repeat">
+      <a:schemeClr val="lt1">
+        <a:alpha val="0"/>
+      </a:schemeClr>
+    </dgm:fillClrLst>
+    <dgm:linClrLst meth="repeat">
+      <a:schemeClr val="dk1">
+        <a:alpha val="0"/>
+      </a:schemeClr>
+    </dgm:linClrLst>
+    <dgm:effectClrLst/>
+    <dgm:txLinClrLst/>
+    <dgm:txFillClrLst meth="repeat">
+      <a:schemeClr val="tx1"/>
+    </dgm:txFillClrLst>
+    <dgm:txEffectClrLst/>
+  </dgm:styleLbl>
+</dgm:colorsDef>
+</file>
+
+<file path=ppt/diagrams/colors2.xml><?xml version="1.0" encoding="utf-8"?>
+<dgm:colorsDef xmlns:dgm="http://schemas.openxmlformats.org/drawingml/2006/diagram" xmlns:a="http://schemas.openxmlformats.org/drawingml/2006/main" uniqueId="urn:microsoft.com/office/officeart/2005/8/colors/accent3_1">
+  <dgm:title val=""/>
+  <dgm:desc val=""/>
+  <dgm:catLst>
+    <dgm:cat type="accent3" pri="11100"/>
+  </dgm:catLst>
+  <dgm:styleLbl name="node0">
+    <dgm:fillClrLst meth="repeat">
+      <a:schemeClr val="lt1"/>
+    </dgm:fillClrLst>
+    <dgm:linClrLst meth="repeat">
+      <a:schemeClr val="accent3">
+        <a:shade val="80000"/>
+      </a:schemeClr>
+    </dgm:linClrLst>
+    <dgm:effectClrLst/>
+    <dgm:txLinClrLst/>
+    <dgm:txFillClrLst meth="repeat">
+      <a:schemeClr val="dk1"/>
+    </dgm:txFillClrLst>
+    <dgm:txEffectClrLst/>
+  </dgm:styleLbl>
+  <dgm:styleLbl name="node1">
+    <dgm:fillClrLst meth="repeat">
+      <a:schemeClr val="lt1"/>
+    </dgm:fillClrLst>
+    <dgm:linClrLst meth="repeat">
+      <a:schemeClr val="accent3">
+        <a:shade val="80000"/>
+      </a:schemeClr>
+    </dgm:linClrLst>
+    <dgm:effectClrLst/>
+    <dgm:txLinClrLst/>
+    <dgm:txFillClrLst meth="repeat">
+      <a:schemeClr val="dk1"/>
+    </dgm:txFillClrLst>
+    <dgm:txEffectClrLst/>
+  </dgm:styleLbl>
+  <dgm:styleLbl name="alignNode1">
+    <dgm:fillClrLst meth="repeat">
+      <a:schemeClr val="lt1"/>
+    </dgm:fillClrLst>
+    <dgm:linClrLst meth="repeat">
+      <a:schemeClr val="accent3">
+        <a:shade val="80000"/>
+      </a:schemeClr>
+    </dgm:linClrLst>
+    <dgm:effectClrLst/>
+    <dgm:txLinClrLst/>
+    <dgm:txFillClrLst meth="repeat">
+      <a:schemeClr val="dk1"/>
+    </dgm:txFillClrLst>
+    <dgm:txEffectClrLst/>
+  </dgm:styleLbl>
+  <dgm:styleLbl name="lnNode1">
+    <dgm:fillClrLst meth="repeat">
+      <a:schemeClr val="lt1"/>
+    </dgm:fillClrLst>
+    <dgm:linClrLst meth="repeat">
+      <a:schemeClr val="accent3">
+        <a:shade val="80000"/>
+      </a:schemeClr>
+    </dgm:linClrLst>
+    <dgm:effectClrLst/>
+    <dgm:txLinClrLst/>
+    <dgm:txFillClrLst meth="repeat">
+      <a:schemeClr val="dk1"/>
+    </dgm:txFillClrLst>
+    <dgm:txEffectClrLst/>
+  </dgm:styleLbl>
+  <dgm:styleLbl name="vennNode1">
+    <dgm:fillClrLst meth="repeat">
+      <a:schemeClr val="lt1">
+        <a:alpha val="50000"/>
+      </a:schemeClr>
+    </dgm:fillClrLst>
+    <dgm:linClrLst meth="repeat">
+      <a:schemeClr val="accent3">
+        <a:shade val="80000"/>
+      </a:schemeClr>
+    </dgm:linClrLst>
+    <dgm:effectClrLst/>
+    <dgm:txLinClrLst/>
+    <dgm:txFillClrLst/>
+    <dgm:txEffectClrLst/>
+  </dgm:styleLbl>
+  <dgm:styleLbl name="node2">
+    <dgm:fillClrLst meth="repeat">
+      <a:schemeClr val="lt1"/>
+    </dgm:fillClrLst>
+    <dgm:linClrLst meth="repeat">
+      <a:schemeClr val="accent3">
+        <a:shade val="80000"/>
+      </a:schemeClr>
+    </dgm:linClrLst>
+    <dgm:effectClrLst/>
+    <dgm:txLinClrLst/>
+    <dgm:txFillClrLst meth="repeat">
+      <a:schemeClr val="dk1"/>
+    </dgm:txFillClrLst>
+    <dgm:txEffectClrLst/>
+  </dgm:styleLbl>
+  <dgm:styleLbl name="node3">
+    <dgm:fillClrLst meth="repeat">
+      <a:schemeClr val="lt1"/>
+    </dgm:fillClrLst>
+    <dgm:linClrLst meth="repeat">
+      <a:schemeClr val="accent3">
+        <a:shade val="80000"/>
+      </a:schemeClr>
+    </dgm:linClrLst>
+    <dgm:effectClrLst/>
+    <dgm:txLinClrLst/>
+    <dgm:txFillClrLst meth="repeat">
+      <a:schemeClr val="dk1"/>
+    </dgm:txFillClrLst>
+    <dgm:txEffectClrLst/>
+  </dgm:styleLbl>
+  <dgm:styleLbl name="node4">
+    <dgm:fillClrLst meth="repeat">
+      <a:schemeClr val="lt1"/>
+    </dgm:fillClrLst>
+    <dgm:linClrLst meth="repeat">
+      <a:schemeClr val="accent3">
+        <a:shade val="80000"/>
+      </a:schemeClr>
+    </dgm:linClrLst>
+    <dgm:effectClrLst/>
+    <dgm:txLinClrLst/>
+    <dgm:txFillClrLst meth="repeat">
+      <a:schemeClr val="dk1"/>
+    </dgm:txFillClrLst>
+    <dgm:txEffectClrLst/>
+  </dgm:styleLbl>
+  <dgm:styleLbl name="fgImgPlace1">
+    <dgm:fillClrLst meth="repeat">
+      <a:schemeClr val="accent3">
+        <a:tint val="40000"/>
+      </a:schemeClr>
+    </dgm:fillClrLst>
+    <dgm:linClrLst meth="repeat">
+      <a:schemeClr val="accent3">
+        <a:shade val="80000"/>
+      </a:schemeClr>
+    </dgm:linClrLst>
+    <dgm:effectClrLst/>
+    <dgm:txLinClrLst/>
+    <dgm:txFillClrLst meth="repeat">
+      <a:schemeClr val="lt1"/>
+    </dgm:txFillClrLst>
+    <dgm:txEffectClrLst/>
+  </dgm:styleLbl>
+  <dgm:styleLbl name="alignImgPlace1">
+    <dgm:fillClrLst meth="repeat">
+      <a:schemeClr val="accent3">
+        <a:tint val="40000"/>
+      </a:schemeClr>
+    </dgm:fillClrLst>
+    <dgm:linClrLst meth="repeat">
+      <a:schemeClr val="accent3">
+        <a:shade val="80000"/>
+      </a:schemeClr>
+    </dgm:linClrLst>
+    <dgm:effectClrLst/>
+    <dgm:txLinClrLst/>
+    <dgm:txFillClrLst meth="repeat">
+      <a:schemeClr val="lt1"/>
+    </dgm:txFillClrLst>
+    <dgm:txEffectClrLst/>
+  </dgm:styleLbl>
+  <dgm:styleLbl name="bgImgPlace1">
+    <dgm:fillClrLst meth="repeat">
+      <a:schemeClr val="accent3">
+        <a:tint val="40000"/>
+      </a:schemeClr>
+    </dgm:fillClrLst>
+    <dgm:linClrLst meth="repeat">
+      <a:schemeClr val="accent3">
+        <a:shade val="80000"/>
+      </a:schemeClr>
+    </dgm:linClrLst>
+    <dgm:effectClrLst/>
+    <dgm:txLinClrLst/>
+    <dgm:txFillClrLst meth="repeat">
+      <a:schemeClr val="lt1"/>
+    </dgm:txFillClrLst>
+    <dgm:txEffectClrLst/>
+  </dgm:styleLbl>
+  <dgm:styleLbl name="sibTrans2D1">
+    <dgm:fillClrLst meth="repeat">
+      <a:schemeClr val="accent3">
+        <a:tint val="60000"/>
+      </a:schemeClr>
+    </dgm:fillClrLst>
+    <dgm:linClrLst meth="repeat">
+      <a:schemeClr val="accent3">
+        <a:tint val="60000"/>
+      </a:schemeClr>
+    </dgm:linClrLst>
+    <dgm:effectClrLst/>
+    <dgm:txLinClrLst/>
+    <dgm:txFillClrLst meth="repeat">
+      <a:schemeClr val="dk1"/>
+    </dgm:txFillClrLst>
+    <dgm:txEffectClrLst/>
+  </dgm:styleLbl>
+  <dgm:styleLbl name="fgSibTrans2D1">
+    <dgm:fillClrLst meth="repeat">
+      <a:schemeClr val="accent3">
+        <a:tint val="60000"/>
+      </a:schemeClr>
+    </dgm:fillClrLst>
+    <dgm:linClrLst meth="repeat">
+      <a:schemeClr val="accent3">
+        <a:tint val="60000"/>
+      </a:schemeClr>
+    </dgm:linClrLst>
+    <dgm:effectClrLst/>
+    <dgm:txLinClrLst/>
+    <dgm:txFillClrLst meth="repeat">
+      <a:schemeClr val="dk1"/>
+    </dgm:txFillClrLst>
+    <dgm:txEffectClrLst/>
+  </dgm:styleLbl>
+  <dgm:styleLbl name="bgSibTrans2D1">
+    <dgm:fillClrLst meth="repeat">
+      <a:schemeClr val="accent3">
+        <a:tint val="60000"/>
+      </a:schemeClr>
+    </dgm:fillClrLst>
+    <dgm:linClrLst meth="repeat">
+      <a:schemeClr val="accent3">
+        <a:tint val="60000"/>
+      </a:schemeClr>
+    </dgm:linClrLst>
+    <dgm:effectClrLst/>
+    <dgm:txLinClrLst/>
+    <dgm:txFillClrLst meth="repeat">
+      <a:schemeClr val="dk1"/>
+    </dgm:txFillClrLst>
+    <dgm:txEffectClrLst/>
+  </dgm:styleLbl>
+  <dgm:styleLbl name="sibTrans1D1">
+    <dgm:fillClrLst meth="repeat">
+      <a:schemeClr val="accent3"/>
+    </dgm:fillClrLst>
+    <dgm:linClrLst meth="repeat">
+      <a:schemeClr val="accent3"/>
+    </dgm:linClrLst>
+    <dgm:effectClrLst/>
+    <dgm:txLinClrLst/>
+    <dgm:txFillClrLst meth="repeat">
+      <a:schemeClr val="tx1"/>
+    </dgm:txFillClrLst>
+    <dgm:txEffectClrLst/>
+  </dgm:styleLbl>
+  <dgm:styleLbl name="callout">
+    <dgm:fillClrLst meth="repeat">
+      <a:schemeClr val="accent3"/>
+    </dgm:fillClrLst>
+    <dgm:linClrLst meth="repeat">
+      <a:schemeClr val="accent3"/>
+    </dgm:linClrLst>
+    <dgm:effectClrLst/>
+    <dgm:txLinClrLst/>
+    <dgm:txFillClrLst meth="repeat">
+      <a:schemeClr val="tx1"/>
+    </dgm:txFillClrLst>
+    <dgm:txEffectClrLst/>
+  </dgm:styleLbl>
+  <dgm:styleLbl name="asst0">
+    <dgm:fillClrLst meth="repeat">
+      <a:schemeClr val="lt1"/>
+    </dgm:fillClrLst>
+    <dgm:linClrLst meth="repeat">
+      <a:schemeClr val="accent3">
+        <a:shade val="80000"/>
+      </a:schemeClr>
+    </dgm:linClrLst>
+    <dgm:effectClrLst/>
+    <dgm:txLinClrLst/>
+    <dgm:txFillClrLst meth="repeat">
+      <a:schemeClr val="dk1"/>
+    </dgm:txFillClrLst>
+    <dgm:txEffectClrLst/>
+  </dgm:styleLbl>
+  <dgm:styleLbl name="asst1">
+    <dgm:fillClrLst meth="repeat">
+      <a:schemeClr val="lt1"/>
+    </dgm:fillClrLst>
+    <dgm:linClrLst meth="repeat">
+      <a:schemeClr val="accent3">
+        <a:shade val="80000"/>
+      </a:schemeClr>
+    </dgm:linClrLst>
+    <dgm:effectClrLst/>
+    <dgm:txLinClrLst/>
+    <dgm:txFillClrLst meth="repeat">
+      <a:schemeClr val="dk1"/>
+    </dgm:txFillClrLst>
+    <dgm:txEffectClrLst/>
+  </dgm:styleLbl>
+  <dgm:styleLbl name="asst2">
+    <dgm:fillClrLst meth="repeat">
+      <a:schemeClr val="lt1"/>
+    </dgm:fillClrLst>
+    <dgm:linClrLst meth="repeat">
+      <a:schemeClr val="accent3">
+        <a:shade val="80000"/>
+      </a:schemeClr>
+    </dgm:linClrLst>
+    <dgm:effectClrLst/>
+    <dgm:txLinClrLst/>
+    <dgm:txFillClrLst meth="repeat">
+      <a:schemeClr val="dk1"/>
+    </dgm:txFillClrLst>
+    <dgm:txEffectClrLst/>
+  </dgm:styleLbl>
+  <dgm:styleLbl name="asst3">
+    <dgm:fillClrLst meth="repeat">
+      <a:schemeClr val="lt1"/>
+    </dgm:fillClrLst>
+    <dgm:linClrLst meth="repeat">
+      <a:schemeClr val="accent3">
+        <a:shade val="80000"/>
+      </a:schemeClr>
+    </dgm:linClrLst>
+    <dgm:effectClrLst/>
+    <dgm:txLinClrLst/>
+    <dgm:txFillClrLst meth="repeat">
+      <a:schemeClr val="dk1"/>
+    </dgm:txFillClrLst>
+    <dgm:txEffectClrLst/>
+  </dgm:styleLbl>
+  <dgm:styleLbl name="asst4">
+    <dgm:fillClrLst meth="repeat">
+      <a:schemeClr val="lt1"/>
+    </dgm:fillClrLst>
+    <dgm:linClrLst meth="repeat">
+      <a:schemeClr val="accent3">
+        <a:shade val="80000"/>
+      </a:schemeClr>
+    </dgm:linClrLst>
+    <dgm:effectClrLst/>
+    <dgm:txLinClrLst/>
+    <dgm:txFillClrLst meth="repeat">
+      <a:schemeClr val="dk1"/>
+    </dgm:txFillClrLst>
+    <dgm:txEffectClrLst/>
+  </dgm:styleLbl>
+  <dgm:styleLbl name="parChTrans2D1">
+    <dgm:fillClrLst meth="repeat">
+      <a:schemeClr val="accent3">
+        <a:tint val="60000"/>
+      </a:schemeClr>
+    </dgm:fillClrLst>
+    <dgm:linClrLst meth="repeat">
+      <a:schemeClr val="accent3">
+        <a:tint val="60000"/>
+      </a:schemeClr>
+    </dgm:linClrLst>
+    <dgm:effectClrLst/>
+    <dgm:txLinClrLst/>
+    <dgm:txFillClrLst/>
+    <dgm:txEffectClrLst/>
+  </dgm:styleLbl>
+  <dgm:styleLbl name="parChTrans2D2">
+    <dgm:fillClrLst meth="repeat">
+      <a:schemeClr val="accent3"/>
+    </dgm:fillClrLst>
+    <dgm:linClrLst meth="repeat">
+      <a:schemeClr val="accent3"/>
+    </dgm:linClrLst>
+    <dgm:effectClrLst/>
+    <dgm:txLinClrLst/>
+    <dgm:txFillClrLst/>
+    <dgm:txEffectClrLst/>
+  </dgm:styleLbl>
+  <dgm:styleLbl name="parChTrans2D3">
+    <dgm:fillClrLst meth="repeat">
+      <a:schemeClr val="accent3"/>
+    </dgm:fillClrLst>
+    <dgm:linClrLst meth="repeat">
+      <a:schemeClr val="accent3"/>
+    </dgm:linClrLst>
+    <dgm:effectClrLst/>
+    <dgm:txLinClrLst/>
+    <dgm:txFillClrLst/>
+    <dgm:txEffectClrLst/>
+  </dgm:styleLbl>
+  <dgm:styleLbl name="parChTrans2D4">
+    <dgm:fillClrLst meth="repeat">
+      <a:schemeClr val="accent3"/>
+    </dgm:fillClrLst>
+    <dgm:linClrLst meth="repeat">
+      <a:schemeClr val="accent3"/>
+    </dgm:linClrLst>
+    <dgm:effectClrLst/>
+    <dgm:txLinClrLst/>
+    <dgm:txFillClrLst meth="repeat">
+      <a:schemeClr val="lt1"/>
+    </dgm:txFillClrLst>
+    <dgm:txEffectClrLst/>
+  </dgm:styleLbl>
+  <dgm:styleLbl name="parChTrans1D1">
+    <dgm:fillClrLst meth="repeat">
+      <a:schemeClr val="accent3"/>
+    </dgm:fillClrLst>
+    <dgm:linClrLst meth="repeat">
+      <a:schemeClr val="accent3">
+        <a:shade val="60000"/>
+      </a:schemeClr>
+    </dgm:linClrLst>
+    <dgm:effectClrLst/>
+    <dgm:txLinClrLst/>
+    <dgm:txFillClrLst meth="repeat">
+      <a:schemeClr val="tx1"/>
+    </dgm:txFillClrLst>
+    <dgm:txEffectClrLst/>
+  </dgm:styleLbl>
+  <dgm:styleLbl name="parChTrans1D2">
+    <dgm:fillClrLst meth="repeat">
+      <a:schemeClr val="accent3"/>
+    </dgm:fillClrLst>
+    <dgm:linClrLst meth="repeat">
+      <a:schemeClr val="accent3">
+        <a:shade val="60000"/>
+      </a:schemeClr>
+    </dgm:linClrLst>
+    <dgm:effectClrLst/>
+    <dgm:txLinClrLst/>
+    <dgm:txFillClrLst meth="repeat">
+      <a:schemeClr val="tx1"/>
+    </dgm:txFillClrLst>
+    <dgm:txEffectClrLst/>
+  </dgm:styleLbl>
+  <dgm:styleLbl name="parChTrans1D3">
+    <dgm:fillClrLst meth="repeat">
+      <a:schemeClr val="accent3"/>
+    </dgm:fillClrLst>
+    <dgm:linClrLst meth="repeat">
+      <a:schemeClr val="accent3">
+        <a:shade val="80000"/>
+      </a:schemeClr>
+    </dgm:linClrLst>
+    <dgm:effectClrLst/>
+    <dgm:txLinClrLst/>
+    <dgm:txFillClrLst meth="repeat">
+      <a:schemeClr val="tx1"/>
+    </dgm:txFillClrLst>
+    <dgm:txEffectClrLst/>
+  </dgm:styleLbl>
+  <dgm:styleLbl name="parChTrans1D4">
+    <dgm:fillClrLst meth="repeat">
+      <a:schemeClr val="accent3"/>
+    </dgm:fillClrLst>
+    <dgm:linClrLst meth="repeat">
+      <a:schemeClr val="accent3">
+        <a:shade val="80000"/>
+      </a:schemeClr>
+    </dgm:linClrLst>
+    <dgm:effectClrLst/>
+    <dgm:txLinClrLst/>
+    <dgm:txFillClrLst meth="repeat">
+      <a:schemeClr val="tx1"/>
+    </dgm:txFillClrLst>
+    <dgm:txEffectClrLst/>
+  </dgm:styleLbl>
+  <dgm:styleLbl name="fgAcc1">
+    <dgm:fillClrLst meth="repeat">
+      <a:schemeClr val="accent3">
+        <a:alpha val="90000"/>
+        <a:tint val="40000"/>
+      </a:schemeClr>
+    </dgm:fillClrLst>
+    <dgm:linClrLst meth="repeat">
+      <a:schemeClr val="accent3"/>
+    </dgm:linClrLst>
+    <dgm:effectClrLst/>
+    <dgm:txLinClrLst/>
+    <dgm:txFillClrLst meth="repeat">
+      <a:schemeClr val="dk1"/>
+    </dgm:txFillClrLst>
+    <dgm:txEffectClrLst/>
+  </dgm:styleLbl>
+  <dgm:styleLbl name="conFgAcc1">
+    <dgm:fillClrLst meth="repeat">
+      <a:schemeClr val="accent3">
+        <a:alpha val="90000"/>
+        <a:tint val="40000"/>
+      </a:schemeClr>
+    </dgm:fillClrLst>
+    <dgm:linClrLst meth="repeat">
+      <a:schemeClr val="accent3"/>
+    </dgm:linClrLst>
+    <dgm:effectClrLst/>
+    <dgm:txLinClrLst/>
+    <dgm:txFillClrLst meth="repeat">
+      <a:schemeClr val="dk1"/>
+    </dgm:txFillClrLst>
+    <dgm:txEffectClrLst/>
+  </dgm:styleLbl>
+  <dgm:styleLbl name="alignAcc1">
+    <dgm:fillClrLst meth="repeat">
+      <a:schemeClr val="accent3">
+        <a:alpha val="90000"/>
+        <a:tint val="40000"/>
+      </a:schemeClr>
+    </dgm:fillClrLst>
+    <dgm:linClrLst meth="repeat">
+      <a:schemeClr val="accent3"/>
+    </dgm:linClrLst>
+    <dgm:effectClrLst/>
+    <dgm:txLinClrLst/>
+    <dgm:txFillClrLst meth="repeat">
+      <a:schemeClr val="dk1"/>
+    </dgm:txFillClrLst>
+    <dgm:txEffectClrLst/>
+  </dgm:styleLbl>
+  <dgm:styleLbl name="trAlignAcc1">
+    <dgm:fillClrLst meth="repeat">
+      <a:schemeClr val="accent3">
+        <a:alpha val="40000"/>
+        <a:tint val="40000"/>
+      </a:schemeClr>
+    </dgm:fillClrLst>
+    <dgm:linClrLst meth="repeat">
+      <a:schemeClr val="accent3"/>
+    </dgm:linClrLst>
+    <dgm:effectClrLst/>
+    <dgm:txLinClrLst/>
+    <dgm:txFillClrLst meth="repeat">
+      <a:schemeClr val="dk1"/>
+    </dgm:txFillClrLst>
+    <dgm:txEffectClrLst/>
+  </dgm:styleLbl>
+  <dgm:styleLbl name="bgAcc1">
+    <dgm:fillClrLst meth="repeat">
+      <a:schemeClr val="accent3">
+        <a:alpha val="90000"/>
+        <a:tint val="40000"/>
+      </a:schemeClr>
+    </dgm:fillClrLst>
+    <dgm:linClrLst meth="repeat">
+      <a:schemeClr val="accent3"/>
+    </dgm:linClrLst>
+    <dgm:effectClrLst/>
+    <dgm:txLinClrLst/>
+    <dgm:txFillClrLst meth="repeat">
+      <a:schemeClr val="dk1"/>
+    </dgm:txFillClrLst>
+    <dgm:txEffectClrLst/>
+  </dgm:styleLbl>
+  <dgm:styleLbl name="solidFgAcc1">
+    <dgm:fillClrLst meth="repeat">
+      <a:schemeClr val="lt1"/>
+    </dgm:fillClrLst>
+    <dgm:linClrLst meth="repeat">
+      <a:schemeClr val="accent3"/>
+    </dgm:linClrLst>
+    <dgm:effectClrLst/>
+    <dgm:txLinClrLst/>
+    <dgm:txFillClrLst meth="repeat">
+      <a:schemeClr val="dk1"/>
+    </dgm:txFillClrLst>
+    <dgm:txEffectClrLst/>
+  </dgm:styleLbl>
+  <dgm:styleLbl name="solidAlignAcc1">
+    <dgm:fillClrLst meth="repeat">
+      <a:schemeClr val="lt1"/>
+    </dgm:fillClrLst>
+    <dgm:linClrLst meth="repeat">
+      <a:schemeClr val="accent3"/>
+    </dgm:linClrLst>
+    <dgm:effectClrLst/>
+    <dgm:txLinClrLst/>
+    <dgm:txFillClrLst meth="repeat">
+      <a:schemeClr val="dk1"/>
+    </dgm:txFillClrLst>
+    <dgm:txEffectClrLst/>
+  </dgm:styleLbl>
+  <dgm:styleLbl name="solidBgAcc1">
+    <dgm:fillClrLst meth="repeat">
+      <a:schemeClr val="lt1"/>
+    </dgm:fillClrLst>
+    <dgm:linClrLst meth="repeat">
+      <a:schemeClr val="accent3"/>
+    </dgm:linClrLst>
+    <dgm:effectClrLst/>
+    <dgm:txLinClrLst/>
+    <dgm:txFillClrLst meth="repeat">
+      <a:schemeClr val="dk1"/>
+    </dgm:txFillClrLst>
+    <dgm:txEffectClrLst/>
+  </dgm:styleLbl>
+  <dgm:styleLbl name="fgAccFollowNode1">
+    <dgm:fillClrLst meth="repeat">
+      <a:schemeClr val="lt1">
+        <a:alpha val="90000"/>
+        <a:tint val="40000"/>
+      </a:schemeClr>
+    </dgm:fillClrLst>
+    <dgm:linClrLst meth="repeat">
+      <a:schemeClr val="accent3">
+        <a:alpha val="90000"/>
+      </a:schemeClr>
+    </dgm:linClrLst>
+    <dgm:effectClrLst/>
+    <dgm:txLinClrLst/>
+    <dgm:txFillClrLst meth="repeat">
+      <a:schemeClr val="dk1"/>
+    </dgm:txFillClrLst>
+    <dgm:txEffectClrLst/>
+  </dgm:styleLbl>
+  <dgm:styleLbl name="alignAccFollowNode1">
+    <dgm:fillClrLst meth="repeat">
+      <a:schemeClr val="lt1">
+        <a:alpha val="90000"/>
+        <a:tint val="40000"/>
+      </a:schemeClr>
+    </dgm:fillClrLst>
+    <dgm:linClrLst meth="repeat">
+      <a:schemeClr val="accent3">
+        <a:alpha val="90000"/>
+      </a:schemeClr>
+    </dgm:linClrLst>
+    <dgm:effectClrLst/>
+    <dgm:txLinClrLst/>
+    <dgm:txFillClrLst meth="repeat">
+      <a:schemeClr val="dk1"/>
+    </dgm:txFillClrLst>
+    <dgm:txEffectClrLst/>
+  </dgm:styleLbl>
+  <dgm:styleLbl name="bgAccFollowNode1">
+    <dgm:fillClrLst meth="repeat">
+      <a:schemeClr val="lt1">
+        <a:alpha val="90000"/>
+        <a:tint val="40000"/>
+      </a:schemeClr>
+    </dgm:fillClrLst>
+    <dgm:linClrLst meth="repeat">
+      <a:schemeClr val="accent3">
+        <a:alpha val="90000"/>
+      </a:schemeClr>
+    </dgm:linClrLst>
+    <dgm:effectClrLst/>
+    <dgm:txLinClrLst/>
+    <dgm:txFillClrLst meth="repeat">
+      <a:schemeClr val="dk1"/>
+    </dgm:txFillClrLst>
+    <dgm:txEffectClrLst/>
+  </dgm:styleLbl>
+  <dgm:styleLbl name="fgAcc0">
+    <dgm:fillClrLst meth="repeat">
+      <a:schemeClr val="accent3">
+        <a:alpha val="90000"/>
+        <a:tint val="40000"/>
+      </a:schemeClr>
+    </dgm:fillClrLst>
+    <dgm:linClrLst meth="repeat">
+      <a:schemeClr val="accent3"/>
+    </dgm:linClrLst>
+    <dgm:effectClrLst/>
+    <dgm:txLinClrLst/>
+    <dgm:txFillClrLst meth="repeat">
+      <a:schemeClr val="dk1"/>
+    </dgm:txFillClrLst>
+    <dgm:txEffectClrLst/>
+  </dgm:styleLbl>
+  <dgm:styleLbl name="fgAcc2">
+    <dgm:fillClrLst meth="repeat">
+      <a:schemeClr val="accent3">
+        <a:alpha val="90000"/>
+        <a:tint val="40000"/>
+      </a:schemeClr>
+    </dgm:fillClrLst>
+    <dgm:linClrLst meth="repeat">
+      <a:schemeClr val="accent3"/>
+    </dgm:linClrLst>
+    <dgm:effectClrLst/>
+    <dgm:txLinClrLst/>
+    <dgm:txFillClrLst meth="repeat">
+      <a:schemeClr val="dk1"/>
+    </dgm:txFillClrLst>
+    <dgm:txEffectClrLst/>
+  </dgm:styleLbl>
+  <dgm:styleLbl name="fgAcc3">
+    <dgm:fillClrLst meth="repeat">
+      <a:schemeClr val="accent3">
+        <a:alpha val="90000"/>
+        <a:tint val="40000"/>
+      </a:schemeClr>
+    </dgm:fillClrLst>
+    <dgm:linClrLst meth="repeat">
+      <a:schemeClr val="accent3"/>
+    </dgm:linClrLst>
+    <dgm:effectClrLst/>
+    <dgm:txLinClrLst/>
+    <dgm:txFillClrLst meth="repeat">
+      <a:schemeClr val="dk1"/>
+    </dgm:txFillClrLst>
+    <dgm:txEffectClrLst/>
+  </dgm:styleLbl>
+  <dgm:styleLbl name="fgAcc4">
+    <dgm:fillClrLst meth="repeat">
+      <a:schemeClr val="accent3">
+        <a:alpha val="90000"/>
+        <a:tint val="40000"/>
+      </a:schemeClr>
+    </dgm:fillClrLst>
+    <dgm:linClrLst meth="repeat">
+      <a:schemeClr val="accent3"/>
+    </dgm:linClrLst>
+    <dgm:effectClrLst/>
+    <dgm:txLinClrLst/>
+    <dgm:txFillClrLst meth="repeat">
+      <a:schemeClr val="dk1"/>
+    </dgm:txFillClrLst>
+    <dgm:txEffectClrLst/>
+  </dgm:styleLbl>
+  <dgm:styleLbl name="bgShp">
+    <dgm:fillClrLst meth="repeat">
+      <a:schemeClr val="accent3">
+        <a:tint val="40000"/>
+      </a:schemeClr>
+    </dgm:fillClrLst>
+    <dgm:linClrLst meth="repeat">
+      <a:schemeClr val="accent3"/>
+    </dgm:linClrLst>
+    <dgm:effectClrLst/>
+    <dgm:txLinClrLst/>
+    <dgm:txFillClrLst meth="repeat">
+      <a:schemeClr val="dk1"/>
+    </dgm:txFillClrLst>
+    <dgm:txEffectClrLst/>
+  </dgm:styleLbl>
+  <dgm:styleLbl name="dkBgShp">
+    <dgm:fillClrLst meth="repeat">
+      <a:schemeClr val="accent3">
+        <a:shade val="80000"/>
+      </a:schemeClr>
+    </dgm:fillClrLst>
+    <dgm:linClrLst meth="repeat">
+      <a:schemeClr val="accent3"/>
+    </dgm:linClrLst>
+    <dgm:effectClrLst/>
+    <dgm:txLinClrLst/>
+    <dgm:txFillClrLst meth="repeat">
+      <a:schemeClr val="lt1"/>
+    </dgm:txFillClrLst>
+    <dgm:txEffectClrLst/>
+  </dgm:styleLbl>
+  <dgm:styleLbl name="trBgShp">
+    <dgm:fillClrLst meth="repeat">
+      <a:schemeClr val="accent3">
+        <a:tint val="50000"/>
+        <a:alpha val="40000"/>
+      </a:schemeClr>
+    </dgm:fillClrLst>
+    <dgm:linClrLst meth="repeat">
+      <a:schemeClr val="accent3"/>
+    </dgm:linClrLst>
+    <dgm:effectClrLst/>
+    <dgm:txLinClrLst/>
+    <dgm:txFillClrLst meth="repeat">
+      <a:schemeClr val="lt1"/>
+    </dgm:txFillClrLst>
+    <dgm:txEffectClrLst/>
+  </dgm:styleLbl>
+  <dgm:styleLbl name="fgShp">
+    <dgm:fillClrLst meth="repeat">
+      <a:schemeClr val="accent3">
         <a:tint val="60000"/>
       </a:schemeClr>
     </dgm:fillClrLst>
@@ -884,7 +1696,7 @@
         <a:lstStyle/>
         <a:p>
           <a:r>
-            <a:rPr lang="en-US" altLang="zh-TW" dirty="0" smtClean="0"/>
+            <a:rPr lang="en-US" altLang="zh-TW" dirty="0"/>
             <a:t>Database</a:t>
           </a:r>
           <a:endParaRPr lang="zh-TW" altLang="en-US" dirty="0"/>
@@ -987,7 +1799,7 @@
         <a:lstStyle/>
         <a:p>
           <a:r>
-            <a:rPr lang="en-US" altLang="zh-TW" dirty="0" smtClean="0"/>
+            <a:rPr lang="en-US" altLang="zh-TW" dirty="0"/>
             <a:t>Algorithm</a:t>
           </a:r>
           <a:endParaRPr lang="zh-TW" altLang="en-US" dirty="0"/>
@@ -1090,7 +1902,7 @@
         <a:lstStyle/>
         <a:p>
           <a:r>
-            <a:rPr lang="en-US" altLang="zh-TW" dirty="0" smtClean="0"/>
+            <a:rPr lang="en-US" altLang="zh-TW" dirty="0"/>
             <a:t>GUI/released version</a:t>
           </a:r>
           <a:endParaRPr lang="zh-TW" altLang="en-US" dirty="0"/>
@@ -1193,7 +2005,7 @@
         <a:lstStyle/>
         <a:p>
           <a:r>
-            <a:rPr lang="en-US" altLang="zh-TW" dirty="0" err="1" smtClean="0"/>
+            <a:rPr lang="en-US" altLang="zh-TW" dirty="0" err="1"/>
             <a:t>Github</a:t>
           </a:r>
           <a:endParaRPr lang="zh-TW" altLang="en-US" dirty="0"/>
@@ -1217,13 +2029,6 @@
         </dgm:presLayoutVars>
       </dgm:prSet>
       <dgm:spPr/>
-      <dgm:t>
-        <a:bodyPr/>
-        <a:lstStyle/>
-        <a:p>
-          <a:endParaRPr lang="zh-TW" altLang="en-US"/>
-        </a:p>
-      </dgm:t>
     </dgm:pt>
     <dgm:pt modelId="{26BEC695-4544-466B-A14E-7F5201D548A8}" type="pres">
       <dgm:prSet presAssocID="{3AE2D31F-49D6-4E3A-A498-821FBDD5DA73}" presName="composite" presStyleCnt="0"/>
@@ -1237,13 +2042,6 @@
         </dgm:presLayoutVars>
       </dgm:prSet>
       <dgm:spPr/>
-      <dgm:t>
-        <a:bodyPr/>
-        <a:lstStyle/>
-        <a:p>
-          <a:endParaRPr lang="zh-TW" altLang="en-US"/>
-        </a:p>
-      </dgm:t>
     </dgm:pt>
     <dgm:pt modelId="{E567C758-37C2-4B37-B7C2-E66E8AA6B07E}" type="pres">
       <dgm:prSet presAssocID="{3AE2D31F-49D6-4E3A-A498-821FBDD5DA73}" presName="descendantText" presStyleLbl="alignAcc1" presStyleIdx="0" presStyleCnt="4">
@@ -1269,13 +2067,6 @@
         </dgm:presLayoutVars>
       </dgm:prSet>
       <dgm:spPr/>
-      <dgm:t>
-        <a:bodyPr/>
-        <a:lstStyle/>
-        <a:p>
-          <a:endParaRPr lang="zh-TW" altLang="en-US"/>
-        </a:p>
-      </dgm:t>
     </dgm:pt>
     <dgm:pt modelId="{9EDA6BED-0ACC-445A-A750-9A1A1D47C07C}" type="pres">
       <dgm:prSet presAssocID="{5A03B71E-F15B-4A18-9030-1B95222D7274}" presName="descendantText" presStyleLbl="alignAcc1" presStyleIdx="1" presStyleCnt="4">
@@ -1284,13 +2075,6 @@
         </dgm:presLayoutVars>
       </dgm:prSet>
       <dgm:spPr/>
-      <dgm:t>
-        <a:bodyPr/>
-        <a:lstStyle/>
-        <a:p>
-          <a:endParaRPr lang="zh-TW" altLang="en-US"/>
-        </a:p>
-      </dgm:t>
     </dgm:pt>
     <dgm:pt modelId="{862A0397-F504-494D-9DA0-A017DA8CB610}" type="pres">
       <dgm:prSet presAssocID="{E9F27D7A-315F-4FE4-AD2B-1C9C20FEFF17}" presName="sp" presStyleCnt="0"/>
@@ -1308,13 +2092,6 @@
         </dgm:presLayoutVars>
       </dgm:prSet>
       <dgm:spPr/>
-      <dgm:t>
-        <a:bodyPr/>
-        <a:lstStyle/>
-        <a:p>
-          <a:endParaRPr lang="zh-TW" altLang="en-US"/>
-        </a:p>
-      </dgm:t>
     </dgm:pt>
     <dgm:pt modelId="{CC20A624-4628-4560-91E0-CE14DAE0FCD1}" type="pres">
       <dgm:prSet presAssocID="{4AFCEC32-B02C-4181-ADEA-2708B7AAD3E2}" presName="descendantText" presStyleLbl="alignAcc1" presStyleIdx="2" presStyleCnt="4">
@@ -1323,13 +2100,6 @@
         </dgm:presLayoutVars>
       </dgm:prSet>
       <dgm:spPr/>
-      <dgm:t>
-        <a:bodyPr/>
-        <a:lstStyle/>
-        <a:p>
-          <a:endParaRPr lang="zh-TW" altLang="en-US"/>
-        </a:p>
-      </dgm:t>
     </dgm:pt>
     <dgm:pt modelId="{9843756C-6CC2-4D55-916F-1254FCEA27FA}" type="pres">
       <dgm:prSet presAssocID="{36649435-6654-4166-8B60-D20E88B85F77}" presName="sp" presStyleCnt="0"/>
@@ -1347,13 +2117,6 @@
         </dgm:presLayoutVars>
       </dgm:prSet>
       <dgm:spPr/>
-      <dgm:t>
-        <a:bodyPr/>
-        <a:lstStyle/>
-        <a:p>
-          <a:endParaRPr lang="zh-TW" altLang="en-US"/>
-        </a:p>
-      </dgm:t>
     </dgm:pt>
     <dgm:pt modelId="{EDE7273A-0FB8-4D1C-AA75-82D69508C9D9}" type="pres">
       <dgm:prSet presAssocID="{69261EAD-0E35-4F56-85FD-48377992422B}" presName="descendantText" presStyleLbl="alignAcc1" presStyleIdx="3" presStyleCnt="4">
@@ -1362,37 +2125,30 @@
         </dgm:presLayoutVars>
       </dgm:prSet>
       <dgm:spPr/>
-      <dgm:t>
-        <a:bodyPr/>
-        <a:lstStyle/>
-        <a:p>
-          <a:endParaRPr lang="zh-TW" altLang="en-US"/>
-        </a:p>
-      </dgm:t>
     </dgm:pt>
   </dgm:ptLst>
   <dgm:cxnLst>
+    <dgm:cxn modelId="{C02B4A0C-2374-4F0A-A5F4-694E31B6C4F9}" type="presOf" srcId="{69261EAD-0E35-4F56-85FD-48377992422B}" destId="{4BFE31D4-5900-4202-9D89-3EDEE22AD44A}" srcOrd="0" destOrd="0" presId="urn:microsoft.com/office/officeart/2005/8/layout/chevron2"/>
+    <dgm:cxn modelId="{94336C42-1A02-4602-8CDF-1ADF9FC48A93}" srcId="{4AFCEC32-B02C-4181-ADEA-2708B7AAD3E2}" destId="{0E75A7F1-7139-46F8-85B3-11D28BEBA33D}" srcOrd="0" destOrd="0" parTransId="{1A6CBDFA-7ED0-4323-B41A-D530330FEF22}" sibTransId="{A1A3F4A1-F2B8-475E-BAC7-5411F4D5301E}"/>
+    <dgm:cxn modelId="{68829E47-E5B3-45E7-BEDF-A13F3A276E9E}" type="presOf" srcId="{4AFCEC32-B02C-4181-ADEA-2708B7AAD3E2}" destId="{C733093B-CE6B-4D26-89C6-E799C35E6C55}" srcOrd="0" destOrd="0" presId="urn:microsoft.com/office/officeart/2005/8/layout/chevron2"/>
+    <dgm:cxn modelId="{0390A64F-F734-4253-9F96-7FA6C2522923}" srcId="{69261EAD-0E35-4F56-85FD-48377992422B}" destId="{70936A27-794E-4F6C-95C6-F47767E910EF}" srcOrd="1" destOrd="0" parTransId="{8CBD9A44-6766-46AD-A30D-9F55C4E1A60C}" sibTransId="{033FC3DC-C8C1-46E8-A5C8-876750866959}"/>
+    <dgm:cxn modelId="{DB0EC772-05DB-47A9-B6A6-41A78DCDCDFB}" srcId="{4AFCEC32-B02C-4181-ADEA-2708B7AAD3E2}" destId="{5A62DE15-A83B-49EA-A4BD-EF63F2ECD612}" srcOrd="1" destOrd="0" parTransId="{9B036A11-5C2F-4BE5-8537-B34328F3B9D1}" sibTransId="{678BC351-5D1A-4EA5-B2EA-431F01A9BEE8}"/>
+    <dgm:cxn modelId="{3772C475-B7B4-4B24-9824-B51598C465F3}" type="presOf" srcId="{067AD8A6-A61E-409B-B949-79DC92E53C2A}" destId="{9EDA6BED-0ACC-445A-A750-9A1A1D47C07C}" srcOrd="0" destOrd="1" presId="urn:microsoft.com/office/officeart/2005/8/layout/chevron2"/>
+    <dgm:cxn modelId="{7ECAAF56-349C-4572-9DCE-9AE37D9F9B87}" srcId="{ED48F41A-368F-432B-8FD3-62913D6FA390}" destId="{5A03B71E-F15B-4A18-9030-1B95222D7274}" srcOrd="1" destOrd="0" parTransId="{31AAA83C-E604-45F2-900F-42B5642D1281}" sibTransId="{E9F27D7A-315F-4FE4-AD2B-1C9C20FEFF17}"/>
+    <dgm:cxn modelId="{1D708858-E973-40F0-9E01-556894C16B7C}" type="presOf" srcId="{0A81CDA4-7D0B-4786-B6D0-27784CD41828}" destId="{9EDA6BED-0ACC-445A-A750-9A1A1D47C07C}" srcOrd="0" destOrd="0" presId="urn:microsoft.com/office/officeart/2005/8/layout/chevron2"/>
+    <dgm:cxn modelId="{29F7A278-8F24-45A0-B4F8-8C9B576FF98B}" srcId="{5A03B71E-F15B-4A18-9030-1B95222D7274}" destId="{0A81CDA4-7D0B-4786-B6D0-27784CD41828}" srcOrd="0" destOrd="0" parTransId="{E66EBC34-2A34-4656-B70E-08C13BA059EA}" sibTransId="{D169FA70-AE73-4918-B0D7-5BD8A00BDAE3}"/>
+    <dgm:cxn modelId="{5D434D7F-965A-44A3-91A6-B90EB0F46D2E}" srcId="{5A03B71E-F15B-4A18-9030-1B95222D7274}" destId="{067AD8A6-A61E-409B-B949-79DC92E53C2A}" srcOrd="1" destOrd="0" parTransId="{696F87F0-1B45-4B96-9636-B139DEA0E909}" sibTransId="{59346963-BC85-42EB-901A-BE55B1C7B82A}"/>
+    <dgm:cxn modelId="{EF515282-D211-454A-BDF8-C8753C6513F9}" srcId="{ED48F41A-368F-432B-8FD3-62913D6FA390}" destId="{69261EAD-0E35-4F56-85FD-48377992422B}" srcOrd="3" destOrd="0" parTransId="{E9F72E39-7371-41CE-B611-ED46EF777EB7}" sibTransId="{D9784B91-F896-4347-9EBB-7EB1E1821222}"/>
+    <dgm:cxn modelId="{6182E68F-A6E1-4FB5-9722-4F8E5FD73C52}" srcId="{ED48F41A-368F-432B-8FD3-62913D6FA390}" destId="{3AE2D31F-49D6-4E3A-A498-821FBDD5DA73}" srcOrd="0" destOrd="0" parTransId="{F20362CD-875E-4D3E-BB94-DF1384BA8D7E}" sibTransId="{6350E196-3025-450E-AAC7-52391C3C42B9}"/>
+    <dgm:cxn modelId="{DCE3AD94-ACD9-4402-BEF6-9C94D7E97B83}" type="presOf" srcId="{5A62DE15-A83B-49EA-A4BD-EF63F2ECD612}" destId="{CC20A624-4628-4560-91E0-CE14DAE0FCD1}" srcOrd="0" destOrd="1" presId="urn:microsoft.com/office/officeart/2005/8/layout/chevron2"/>
+    <dgm:cxn modelId="{A4F0D8A8-977E-4468-841A-EFDD8C76086A}" srcId="{69261EAD-0E35-4F56-85FD-48377992422B}" destId="{6E824457-12E0-4DE8-A214-1A8674F92521}" srcOrd="0" destOrd="0" parTransId="{878BCC53-36EC-4571-93DC-B5CBE28F6938}" sibTransId="{7BE6F209-A917-4819-A1CE-57E734F9EAAA}"/>
+    <dgm:cxn modelId="{141680B9-C97C-4AF4-A088-3337000F4C72}" type="presOf" srcId="{ED48F41A-368F-432B-8FD3-62913D6FA390}" destId="{92A94F82-EBBF-495D-B2B2-5E0EB300251C}" srcOrd="0" destOrd="0" presId="urn:microsoft.com/office/officeart/2005/8/layout/chevron2"/>
+    <dgm:cxn modelId="{3C26F3BB-CA91-4F0A-A6E7-F65E42AA77CC}" type="presOf" srcId="{6E824457-12E0-4DE8-A214-1A8674F92521}" destId="{EDE7273A-0FB8-4D1C-AA75-82D69508C9D9}" srcOrd="0" destOrd="0" presId="urn:microsoft.com/office/officeart/2005/8/layout/chevron2"/>
+    <dgm:cxn modelId="{598BCBCD-5075-430F-8285-00327BC13E28}" srcId="{ED48F41A-368F-432B-8FD3-62913D6FA390}" destId="{4AFCEC32-B02C-4181-ADEA-2708B7AAD3E2}" srcOrd="2" destOrd="0" parTransId="{2CE3D8D3-C786-40DA-9AEC-58EDCB1EE74A}" sibTransId="{36649435-6654-4166-8B60-D20E88B85F77}"/>
     <dgm:cxn modelId="{27E4ABD6-0780-499C-AA29-2EA42C91BF66}" type="presOf" srcId="{70936A27-794E-4F6C-95C6-F47767E910EF}" destId="{EDE7273A-0FB8-4D1C-AA75-82D69508C9D9}" srcOrd="0" destOrd="1" presId="urn:microsoft.com/office/officeart/2005/8/layout/chevron2"/>
-    <dgm:cxn modelId="{3C26F3BB-CA91-4F0A-A6E7-F65E42AA77CC}" type="presOf" srcId="{6E824457-12E0-4DE8-A214-1A8674F92521}" destId="{EDE7273A-0FB8-4D1C-AA75-82D69508C9D9}" srcOrd="0" destOrd="0" presId="urn:microsoft.com/office/officeart/2005/8/layout/chevron2"/>
+    <dgm:cxn modelId="{8B53D2DE-4225-481D-9535-C2D89DF19EAD}" type="presOf" srcId="{0E75A7F1-7139-46F8-85B3-11D28BEBA33D}" destId="{CC20A624-4628-4560-91E0-CE14DAE0FCD1}" srcOrd="0" destOrd="0" presId="urn:microsoft.com/office/officeart/2005/8/layout/chevron2"/>
+    <dgm:cxn modelId="{59BF2AFA-5D9D-43C9-8EBA-EDF23350E766}" type="presOf" srcId="{5A03B71E-F15B-4A18-9030-1B95222D7274}" destId="{1C8BD351-58CF-4249-BCE5-FEC221E88A0C}" srcOrd="0" destOrd="0" presId="urn:microsoft.com/office/officeart/2005/8/layout/chevron2"/>
     <dgm:cxn modelId="{0B016FFB-A6D7-4AFD-AFB4-4B781ED6D418}" type="presOf" srcId="{3AE2D31F-49D6-4E3A-A498-821FBDD5DA73}" destId="{798DF3BF-DA09-4778-A5B7-FE4435CA3B54}" srcOrd="0" destOrd="0" presId="urn:microsoft.com/office/officeart/2005/8/layout/chevron2"/>
-    <dgm:cxn modelId="{0390A64F-F734-4253-9F96-7FA6C2522923}" srcId="{69261EAD-0E35-4F56-85FD-48377992422B}" destId="{70936A27-794E-4F6C-95C6-F47767E910EF}" srcOrd="1" destOrd="0" parTransId="{8CBD9A44-6766-46AD-A30D-9F55C4E1A60C}" sibTransId="{033FC3DC-C8C1-46E8-A5C8-876750866959}"/>
-    <dgm:cxn modelId="{6182E68F-A6E1-4FB5-9722-4F8E5FD73C52}" srcId="{ED48F41A-368F-432B-8FD3-62913D6FA390}" destId="{3AE2D31F-49D6-4E3A-A498-821FBDD5DA73}" srcOrd="0" destOrd="0" parTransId="{F20362CD-875E-4D3E-BB94-DF1384BA8D7E}" sibTransId="{6350E196-3025-450E-AAC7-52391C3C42B9}"/>
-    <dgm:cxn modelId="{94336C42-1A02-4602-8CDF-1ADF9FC48A93}" srcId="{4AFCEC32-B02C-4181-ADEA-2708B7AAD3E2}" destId="{0E75A7F1-7139-46F8-85B3-11D28BEBA33D}" srcOrd="0" destOrd="0" parTransId="{1A6CBDFA-7ED0-4323-B41A-D530330FEF22}" sibTransId="{A1A3F4A1-F2B8-475E-BAC7-5411F4D5301E}"/>
-    <dgm:cxn modelId="{141680B9-C97C-4AF4-A088-3337000F4C72}" type="presOf" srcId="{ED48F41A-368F-432B-8FD3-62913D6FA390}" destId="{92A94F82-EBBF-495D-B2B2-5E0EB300251C}" srcOrd="0" destOrd="0" presId="urn:microsoft.com/office/officeart/2005/8/layout/chevron2"/>
-    <dgm:cxn modelId="{29F7A278-8F24-45A0-B4F8-8C9B576FF98B}" srcId="{5A03B71E-F15B-4A18-9030-1B95222D7274}" destId="{0A81CDA4-7D0B-4786-B6D0-27784CD41828}" srcOrd="0" destOrd="0" parTransId="{E66EBC34-2A34-4656-B70E-08C13BA059EA}" sibTransId="{D169FA70-AE73-4918-B0D7-5BD8A00BDAE3}"/>
-    <dgm:cxn modelId="{DCE3AD94-ACD9-4402-BEF6-9C94D7E97B83}" type="presOf" srcId="{5A62DE15-A83B-49EA-A4BD-EF63F2ECD612}" destId="{CC20A624-4628-4560-91E0-CE14DAE0FCD1}" srcOrd="0" destOrd="1" presId="urn:microsoft.com/office/officeart/2005/8/layout/chevron2"/>
-    <dgm:cxn modelId="{59BF2AFA-5D9D-43C9-8EBA-EDF23350E766}" type="presOf" srcId="{5A03B71E-F15B-4A18-9030-1B95222D7274}" destId="{1C8BD351-58CF-4249-BCE5-FEC221E88A0C}" srcOrd="0" destOrd="0" presId="urn:microsoft.com/office/officeart/2005/8/layout/chevron2"/>
-    <dgm:cxn modelId="{C02B4A0C-2374-4F0A-A5F4-694E31B6C4F9}" type="presOf" srcId="{69261EAD-0E35-4F56-85FD-48377992422B}" destId="{4BFE31D4-5900-4202-9D89-3EDEE22AD44A}" srcOrd="0" destOrd="0" presId="urn:microsoft.com/office/officeart/2005/8/layout/chevron2"/>
-    <dgm:cxn modelId="{8B53D2DE-4225-481D-9535-C2D89DF19EAD}" type="presOf" srcId="{0E75A7F1-7139-46F8-85B3-11D28BEBA33D}" destId="{CC20A624-4628-4560-91E0-CE14DAE0FCD1}" srcOrd="0" destOrd="0" presId="urn:microsoft.com/office/officeart/2005/8/layout/chevron2"/>
-    <dgm:cxn modelId="{DB0EC772-05DB-47A9-B6A6-41A78DCDCDFB}" srcId="{4AFCEC32-B02C-4181-ADEA-2708B7AAD3E2}" destId="{5A62DE15-A83B-49EA-A4BD-EF63F2ECD612}" srcOrd="1" destOrd="0" parTransId="{9B036A11-5C2F-4BE5-8537-B34328F3B9D1}" sibTransId="{678BC351-5D1A-4EA5-B2EA-431F01A9BEE8}"/>
-    <dgm:cxn modelId="{A4F0D8A8-977E-4468-841A-EFDD8C76086A}" srcId="{69261EAD-0E35-4F56-85FD-48377992422B}" destId="{6E824457-12E0-4DE8-A214-1A8674F92521}" srcOrd="0" destOrd="0" parTransId="{878BCC53-36EC-4571-93DC-B5CBE28F6938}" sibTransId="{7BE6F209-A917-4819-A1CE-57E734F9EAAA}"/>
-    <dgm:cxn modelId="{5D434D7F-965A-44A3-91A6-B90EB0F46D2E}" srcId="{5A03B71E-F15B-4A18-9030-1B95222D7274}" destId="{067AD8A6-A61E-409B-B949-79DC92E53C2A}" srcOrd="1" destOrd="0" parTransId="{696F87F0-1B45-4B96-9636-B139DEA0E909}" sibTransId="{59346963-BC85-42EB-901A-BE55B1C7B82A}"/>
-    <dgm:cxn modelId="{7ECAAF56-349C-4572-9DCE-9AE37D9F9B87}" srcId="{ED48F41A-368F-432B-8FD3-62913D6FA390}" destId="{5A03B71E-F15B-4A18-9030-1B95222D7274}" srcOrd="1" destOrd="0" parTransId="{31AAA83C-E604-45F2-900F-42B5642D1281}" sibTransId="{E9F27D7A-315F-4FE4-AD2B-1C9C20FEFF17}"/>
-    <dgm:cxn modelId="{3772C475-B7B4-4B24-9824-B51598C465F3}" type="presOf" srcId="{067AD8A6-A61E-409B-B949-79DC92E53C2A}" destId="{9EDA6BED-0ACC-445A-A750-9A1A1D47C07C}" srcOrd="0" destOrd="1" presId="urn:microsoft.com/office/officeart/2005/8/layout/chevron2"/>
-    <dgm:cxn modelId="{598BCBCD-5075-430F-8285-00327BC13E28}" srcId="{ED48F41A-368F-432B-8FD3-62913D6FA390}" destId="{4AFCEC32-B02C-4181-ADEA-2708B7AAD3E2}" srcOrd="2" destOrd="0" parTransId="{2CE3D8D3-C786-40DA-9AEC-58EDCB1EE74A}" sibTransId="{36649435-6654-4166-8B60-D20E88B85F77}"/>
-    <dgm:cxn modelId="{68829E47-E5B3-45E7-BEDF-A13F3A276E9E}" type="presOf" srcId="{4AFCEC32-B02C-4181-ADEA-2708B7AAD3E2}" destId="{C733093B-CE6B-4D26-89C6-E799C35E6C55}" srcOrd="0" destOrd="0" presId="urn:microsoft.com/office/officeart/2005/8/layout/chevron2"/>
-    <dgm:cxn modelId="{1D708858-E973-40F0-9E01-556894C16B7C}" type="presOf" srcId="{0A81CDA4-7D0B-4786-B6D0-27784CD41828}" destId="{9EDA6BED-0ACC-445A-A750-9A1A1D47C07C}" srcOrd="0" destOrd="0" presId="urn:microsoft.com/office/officeart/2005/8/layout/chevron2"/>
-    <dgm:cxn modelId="{EF515282-D211-454A-BDF8-C8753C6513F9}" srcId="{ED48F41A-368F-432B-8FD3-62913D6FA390}" destId="{69261EAD-0E35-4F56-85FD-48377992422B}" srcOrd="3" destOrd="0" parTransId="{E9F72E39-7371-41CE-B611-ED46EF777EB7}" sibTransId="{D9784B91-F896-4347-9EBB-7EB1E1821222}"/>
     <dgm:cxn modelId="{9DD4BA3F-03B8-40D8-9CD6-0E8AA15314FA}" type="presParOf" srcId="{92A94F82-EBBF-495D-B2B2-5E0EB300251C}" destId="{26BEC695-4544-466B-A14E-7F5201D548A8}" srcOrd="0" destOrd="0" presId="urn:microsoft.com/office/officeart/2005/8/layout/chevron2"/>
     <dgm:cxn modelId="{15A56EF5-180C-4C6F-A06F-CCE90374B69F}" type="presParOf" srcId="{26BEC695-4544-466B-A14E-7F5201D548A8}" destId="{798DF3BF-DA09-4778-A5B7-FE4435CA3B54}" srcOrd="0" destOrd="0" presId="urn:microsoft.com/office/officeart/2005/8/layout/chevron2"/>
     <dgm:cxn modelId="{5DDCF30E-DFAD-4D71-9627-B7167CD1EB93}" type="presParOf" srcId="{26BEC695-4544-466B-A14E-7F5201D548A8}" destId="{E567C758-37C2-4B37-B7C2-E66E8AA6B07E}" srcOrd="1" destOrd="0" presId="urn:microsoft.com/office/officeart/2005/8/layout/chevron2"/>
@@ -1408,6 +2164,180 @@
     <dgm:cxn modelId="{65147815-6F40-4D50-8C0F-82EDD3BCB29F}" type="presParOf" srcId="{92A94F82-EBBF-495D-B2B2-5E0EB300251C}" destId="{B9EB0710-A20A-40CD-80B7-75D3D31B1711}" srcOrd="6" destOrd="0" presId="urn:microsoft.com/office/officeart/2005/8/layout/chevron2"/>
     <dgm:cxn modelId="{126113E3-486B-45C3-9963-9D98EBE62BAD}" type="presParOf" srcId="{B9EB0710-A20A-40CD-80B7-75D3D31B1711}" destId="{4BFE31D4-5900-4202-9D89-3EDEE22AD44A}" srcOrd="0" destOrd="0" presId="urn:microsoft.com/office/officeart/2005/8/layout/chevron2"/>
     <dgm:cxn modelId="{BE79C01A-E0B1-4281-A521-8E70B1D98C41}" type="presParOf" srcId="{B9EB0710-A20A-40CD-80B7-75D3D31B1711}" destId="{EDE7273A-0FB8-4D1C-AA75-82D69508C9D9}" srcOrd="1" destOrd="0" presId="urn:microsoft.com/office/officeart/2005/8/layout/chevron2"/>
+  </dgm:cxnLst>
+  <dgm:bg/>
+  <dgm:whole/>
+  <dgm:extLst>
+    <a:ext uri="http://schemas.microsoft.com/office/drawing/2008/diagram">
+      <dsp:dataModelExt xmlns:dsp="http://schemas.microsoft.com/office/drawing/2008/diagram" relId="rId6" minVer="http://schemas.openxmlformats.org/drawingml/2006/diagram"/>
+    </a:ext>
+  </dgm:extLst>
+</dgm:dataModel>
+</file>
+
+<file path=ppt/diagrams/data2.xml><?xml version="1.0" encoding="utf-8"?>
+<dgm:dataModel xmlns:dgm="http://schemas.openxmlformats.org/drawingml/2006/diagram" xmlns:a="http://schemas.openxmlformats.org/drawingml/2006/main">
+  <dgm:ptLst>
+    <dgm:pt modelId="{60D80D25-6BD9-42F7-A0B6-32C16ABFBBEA}" type="doc">
+      <dgm:prSet loTypeId="urn:microsoft.com/office/officeart/2005/8/layout/process1" loCatId="process" qsTypeId="urn:microsoft.com/office/officeart/2005/8/quickstyle/simple1" qsCatId="simple" csTypeId="urn:microsoft.com/office/officeart/2005/8/colors/accent3_1" csCatId="accent3" phldr="1"/>
+      <dgm:spPr/>
+    </dgm:pt>
+    <dgm:pt modelId="{B52B5E72-225F-4710-92F7-2B3537E809C9}">
+      <dgm:prSet phldrT="[文字]"/>
+      <dgm:spPr/>
+      <dgm:t>
+        <a:bodyPr/>
+        <a:lstStyle/>
+        <a:p>
+          <a:r>
+            <a:rPr lang="en-US" altLang="zh-TW" dirty="0"/>
+            <a:t>Expected buy/sell point generation</a:t>
+          </a:r>
+          <a:endParaRPr lang="zh-TW" altLang="en-US" dirty="0"/>
+        </a:p>
+      </dgm:t>
+    </dgm:pt>
+    <dgm:pt modelId="{81B1EDFA-D591-4D82-9DA9-5E6F6B096A90}" type="parTrans" cxnId="{4E04C5D2-5926-42D6-961A-C1F317DC4B95}">
+      <dgm:prSet/>
+      <dgm:spPr/>
+    </dgm:pt>
+    <dgm:pt modelId="{930F7B87-E1DC-4654-8C7B-2C6DF4B5A365}" type="sibTrans" cxnId="{4E04C5D2-5926-42D6-961A-C1F317DC4B95}">
+      <dgm:prSet/>
+      <dgm:spPr/>
+      <dgm:t>
+        <a:bodyPr/>
+        <a:lstStyle/>
+        <a:p>
+          <a:endParaRPr lang="zh-TW" altLang="en-US"/>
+        </a:p>
+      </dgm:t>
+    </dgm:pt>
+    <dgm:pt modelId="{CEB93EB8-3A3A-41D8-ACCF-C0DC8B76E82E}">
+      <dgm:prSet phldrT="[文字]"/>
+      <dgm:spPr/>
+      <dgm:t>
+        <a:bodyPr/>
+        <a:lstStyle/>
+        <a:p>
+          <a:r>
+            <a:rPr lang="en-US" altLang="zh-TW" dirty="0"/>
+            <a:t>Execute the points which matches the real conditions</a:t>
+          </a:r>
+          <a:endParaRPr lang="zh-TW" altLang="en-US" dirty="0"/>
+        </a:p>
+      </dgm:t>
+    </dgm:pt>
+    <dgm:pt modelId="{2ECEAA22-75D6-4DA8-B979-625BD2C5152A}" type="parTrans" cxnId="{96889C5E-5558-4A0B-95EC-986AC76D9A09}">
+      <dgm:prSet/>
+      <dgm:spPr/>
+    </dgm:pt>
+    <dgm:pt modelId="{3B4D725F-5F1F-4A37-9D61-45EDC63441BF}" type="sibTrans" cxnId="{96889C5E-5558-4A0B-95EC-986AC76D9A09}">
+      <dgm:prSet/>
+      <dgm:spPr/>
+      <dgm:t>
+        <a:bodyPr/>
+        <a:lstStyle/>
+        <a:p>
+          <a:endParaRPr lang="zh-TW" altLang="en-US"/>
+        </a:p>
+      </dgm:t>
+    </dgm:pt>
+    <dgm:pt modelId="{ED3CE8E5-80D6-45EA-ADB2-91CAA4BA4656}">
+      <dgm:prSet phldrT="[文字]"/>
+      <dgm:spPr/>
+      <dgm:t>
+        <a:bodyPr/>
+        <a:lstStyle/>
+        <a:p>
+          <a:r>
+            <a:rPr lang="en-US" altLang="zh-TW" dirty="0"/>
+            <a:t>Calculate the return rate (</a:t>
+          </a:r>
+          <a:r>
+            <a:rPr lang="en-US" altLang="zh-TW"/>
+            <a:t>target function)</a:t>
+          </a:r>
+          <a:endParaRPr lang="zh-TW" altLang="en-US" dirty="0"/>
+        </a:p>
+      </dgm:t>
+    </dgm:pt>
+    <dgm:pt modelId="{6B92C5FC-5024-4D77-B43C-7EE96EA84D52}" type="parTrans" cxnId="{C8515B29-581F-428C-B7A6-300B7EA8B20A}">
+      <dgm:prSet/>
+      <dgm:spPr/>
+    </dgm:pt>
+    <dgm:pt modelId="{660BFFF8-717D-48B8-95CC-BF2DD206B51F}" type="sibTrans" cxnId="{C8515B29-581F-428C-B7A6-300B7EA8B20A}">
+      <dgm:prSet/>
+      <dgm:spPr/>
+    </dgm:pt>
+    <dgm:pt modelId="{539393ED-318E-4D3E-AC80-AB309F286BF3}" type="pres">
+      <dgm:prSet presAssocID="{60D80D25-6BD9-42F7-A0B6-32C16ABFBBEA}" presName="Name0" presStyleCnt="0">
+        <dgm:presLayoutVars>
+          <dgm:dir/>
+          <dgm:resizeHandles val="exact"/>
+        </dgm:presLayoutVars>
+      </dgm:prSet>
+      <dgm:spPr/>
+    </dgm:pt>
+    <dgm:pt modelId="{62075BAC-6370-4982-A91E-88D8F0D487DE}" type="pres">
+      <dgm:prSet presAssocID="{B52B5E72-225F-4710-92F7-2B3537E809C9}" presName="node" presStyleLbl="node1" presStyleIdx="0" presStyleCnt="3">
+        <dgm:presLayoutVars>
+          <dgm:bulletEnabled val="1"/>
+        </dgm:presLayoutVars>
+      </dgm:prSet>
+      <dgm:spPr/>
+    </dgm:pt>
+    <dgm:pt modelId="{BB21F937-E91C-42B0-BFB8-B9488915C5A7}" type="pres">
+      <dgm:prSet presAssocID="{930F7B87-E1DC-4654-8C7B-2C6DF4B5A365}" presName="sibTrans" presStyleLbl="sibTrans2D1" presStyleIdx="0" presStyleCnt="2"/>
+      <dgm:spPr/>
+    </dgm:pt>
+    <dgm:pt modelId="{AE3D8AC3-6034-40D0-AAE5-7001B9527331}" type="pres">
+      <dgm:prSet presAssocID="{930F7B87-E1DC-4654-8C7B-2C6DF4B5A365}" presName="connectorText" presStyleLbl="sibTrans2D1" presStyleIdx="0" presStyleCnt="2"/>
+      <dgm:spPr/>
+    </dgm:pt>
+    <dgm:pt modelId="{9CDC5ED7-117C-411C-BF81-6EEFC03FF1CF}" type="pres">
+      <dgm:prSet presAssocID="{CEB93EB8-3A3A-41D8-ACCF-C0DC8B76E82E}" presName="node" presStyleLbl="node1" presStyleIdx="1" presStyleCnt="3">
+        <dgm:presLayoutVars>
+          <dgm:bulletEnabled val="1"/>
+        </dgm:presLayoutVars>
+      </dgm:prSet>
+      <dgm:spPr/>
+    </dgm:pt>
+    <dgm:pt modelId="{08FEE6A3-BDBA-410D-956C-25FA03B324E3}" type="pres">
+      <dgm:prSet presAssocID="{3B4D725F-5F1F-4A37-9D61-45EDC63441BF}" presName="sibTrans" presStyleLbl="sibTrans2D1" presStyleIdx="1" presStyleCnt="2"/>
+      <dgm:spPr/>
+    </dgm:pt>
+    <dgm:pt modelId="{CDA1326F-02E5-440D-97C0-A735DA4C8368}" type="pres">
+      <dgm:prSet presAssocID="{3B4D725F-5F1F-4A37-9D61-45EDC63441BF}" presName="connectorText" presStyleLbl="sibTrans2D1" presStyleIdx="1" presStyleCnt="2"/>
+      <dgm:spPr/>
+    </dgm:pt>
+    <dgm:pt modelId="{0DFC1C4E-6172-47A2-8B65-DCA9849A48DD}" type="pres">
+      <dgm:prSet presAssocID="{ED3CE8E5-80D6-45EA-ADB2-91CAA4BA4656}" presName="node" presStyleLbl="node1" presStyleIdx="2" presStyleCnt="3">
+        <dgm:presLayoutVars>
+          <dgm:bulletEnabled val="1"/>
+        </dgm:presLayoutVars>
+      </dgm:prSet>
+      <dgm:spPr/>
+    </dgm:pt>
+  </dgm:ptLst>
+  <dgm:cxnLst>
+    <dgm:cxn modelId="{5DBAB804-3337-42C8-BB8C-E50BEEA6E95A}" type="presOf" srcId="{930F7B87-E1DC-4654-8C7B-2C6DF4B5A365}" destId="{AE3D8AC3-6034-40D0-AAE5-7001B9527331}" srcOrd="1" destOrd="0" presId="urn:microsoft.com/office/officeart/2005/8/layout/process1"/>
+    <dgm:cxn modelId="{808C8625-C04E-46CF-BBB5-EE73D3EFDB6A}" type="presOf" srcId="{CEB93EB8-3A3A-41D8-ACCF-C0DC8B76E82E}" destId="{9CDC5ED7-117C-411C-BF81-6EEFC03FF1CF}" srcOrd="0" destOrd="0" presId="urn:microsoft.com/office/officeart/2005/8/layout/process1"/>
+    <dgm:cxn modelId="{C8515B29-581F-428C-B7A6-300B7EA8B20A}" srcId="{60D80D25-6BD9-42F7-A0B6-32C16ABFBBEA}" destId="{ED3CE8E5-80D6-45EA-ADB2-91CAA4BA4656}" srcOrd="2" destOrd="0" parTransId="{6B92C5FC-5024-4D77-B43C-7EE96EA84D52}" sibTransId="{660BFFF8-717D-48B8-95CC-BF2DD206B51F}"/>
+    <dgm:cxn modelId="{1BCD7A5D-BBAB-4905-B84C-5C5D9FEDD325}" type="presOf" srcId="{930F7B87-E1DC-4654-8C7B-2C6DF4B5A365}" destId="{BB21F937-E91C-42B0-BFB8-B9488915C5A7}" srcOrd="0" destOrd="0" presId="urn:microsoft.com/office/officeart/2005/8/layout/process1"/>
+    <dgm:cxn modelId="{96889C5E-5558-4A0B-95EC-986AC76D9A09}" srcId="{60D80D25-6BD9-42F7-A0B6-32C16ABFBBEA}" destId="{CEB93EB8-3A3A-41D8-ACCF-C0DC8B76E82E}" srcOrd="1" destOrd="0" parTransId="{2ECEAA22-75D6-4DA8-B979-625BD2C5152A}" sibTransId="{3B4D725F-5F1F-4A37-9D61-45EDC63441BF}"/>
+    <dgm:cxn modelId="{F36FE25E-03FA-4FAF-BA92-1E7D1BBEEE2D}" type="presOf" srcId="{3B4D725F-5F1F-4A37-9D61-45EDC63441BF}" destId="{08FEE6A3-BDBA-410D-956C-25FA03B324E3}" srcOrd="0" destOrd="0" presId="urn:microsoft.com/office/officeart/2005/8/layout/process1"/>
+    <dgm:cxn modelId="{9C4CA981-FE1F-4BF1-8255-36649638DB5F}" type="presOf" srcId="{60D80D25-6BD9-42F7-A0B6-32C16ABFBBEA}" destId="{539393ED-318E-4D3E-AC80-AB309F286BF3}" srcOrd="0" destOrd="0" presId="urn:microsoft.com/office/officeart/2005/8/layout/process1"/>
+    <dgm:cxn modelId="{9809F0C6-5542-4CB1-B75E-71DE98CC34F7}" type="presOf" srcId="{B52B5E72-225F-4710-92F7-2B3537E809C9}" destId="{62075BAC-6370-4982-A91E-88D8F0D487DE}" srcOrd="0" destOrd="0" presId="urn:microsoft.com/office/officeart/2005/8/layout/process1"/>
+    <dgm:cxn modelId="{A44402C9-7D64-45B3-AFE5-F2B3A6FD2A84}" type="presOf" srcId="{ED3CE8E5-80D6-45EA-ADB2-91CAA4BA4656}" destId="{0DFC1C4E-6172-47A2-8B65-DCA9849A48DD}" srcOrd="0" destOrd="0" presId="urn:microsoft.com/office/officeart/2005/8/layout/process1"/>
+    <dgm:cxn modelId="{358CCDCA-CD5A-4F11-9B7C-7FC271499811}" type="presOf" srcId="{3B4D725F-5F1F-4A37-9D61-45EDC63441BF}" destId="{CDA1326F-02E5-440D-97C0-A735DA4C8368}" srcOrd="1" destOrd="0" presId="urn:microsoft.com/office/officeart/2005/8/layout/process1"/>
+    <dgm:cxn modelId="{4E04C5D2-5926-42D6-961A-C1F317DC4B95}" srcId="{60D80D25-6BD9-42F7-A0B6-32C16ABFBBEA}" destId="{B52B5E72-225F-4710-92F7-2B3537E809C9}" srcOrd="0" destOrd="0" parTransId="{81B1EDFA-D591-4D82-9DA9-5E6F6B096A90}" sibTransId="{930F7B87-E1DC-4654-8C7B-2C6DF4B5A365}"/>
+    <dgm:cxn modelId="{CD1E2EBA-DB42-4701-B349-BA9C088CBD1A}" type="presParOf" srcId="{539393ED-318E-4D3E-AC80-AB309F286BF3}" destId="{62075BAC-6370-4982-A91E-88D8F0D487DE}" srcOrd="0" destOrd="0" presId="urn:microsoft.com/office/officeart/2005/8/layout/process1"/>
+    <dgm:cxn modelId="{5F09B2FE-A264-4F8C-A914-01B43A8585DE}" type="presParOf" srcId="{539393ED-318E-4D3E-AC80-AB309F286BF3}" destId="{BB21F937-E91C-42B0-BFB8-B9488915C5A7}" srcOrd="1" destOrd="0" presId="urn:microsoft.com/office/officeart/2005/8/layout/process1"/>
+    <dgm:cxn modelId="{425234FE-5454-4F8C-9EAF-4FF50A0FF3CF}" type="presParOf" srcId="{BB21F937-E91C-42B0-BFB8-B9488915C5A7}" destId="{AE3D8AC3-6034-40D0-AAE5-7001B9527331}" srcOrd="0" destOrd="0" presId="urn:microsoft.com/office/officeart/2005/8/layout/process1"/>
+    <dgm:cxn modelId="{E9C21225-1C17-4171-B6C1-4C46173AF50C}" type="presParOf" srcId="{539393ED-318E-4D3E-AC80-AB309F286BF3}" destId="{9CDC5ED7-117C-411C-BF81-6EEFC03FF1CF}" srcOrd="2" destOrd="0" presId="urn:microsoft.com/office/officeart/2005/8/layout/process1"/>
+    <dgm:cxn modelId="{216E2F2E-313B-4F1D-BED7-A583C045D9DF}" type="presParOf" srcId="{539393ED-318E-4D3E-AC80-AB309F286BF3}" destId="{08FEE6A3-BDBA-410D-956C-25FA03B324E3}" srcOrd="3" destOrd="0" presId="urn:microsoft.com/office/officeart/2005/8/layout/process1"/>
+    <dgm:cxn modelId="{2128E600-30AF-424B-B43F-691D419D9D0E}" type="presParOf" srcId="{08FEE6A3-BDBA-410D-956C-25FA03B324E3}" destId="{CDA1326F-02E5-440D-97C0-A735DA4C8368}" srcOrd="0" destOrd="0" presId="urn:microsoft.com/office/officeart/2005/8/layout/process1"/>
+    <dgm:cxn modelId="{1D0B9F1D-DC99-4D48-BC16-F7092078FD66}" type="presParOf" srcId="{539393ED-318E-4D3E-AC80-AB309F286BF3}" destId="{0DFC1C4E-6172-47A2-8B65-DCA9849A48DD}" srcOrd="4" destOrd="0" presId="urn:microsoft.com/office/officeart/2005/8/layout/process1"/>
   </dgm:cxnLst>
   <dgm:bg/>
   <dgm:whole/>
@@ -1482,7 +2412,7 @@
         </a:bodyPr>
         <a:lstStyle/>
         <a:p>
-          <a:pPr lvl="0" algn="ctr" defTabSz="533400">
+          <a:pPr marL="0" lvl="0" indent="0" algn="ctr" defTabSz="533400">
             <a:lnSpc>
               <a:spcPct val="90000"/>
             </a:lnSpc>
@@ -1492,9 +2422,10 @@
             <a:spcAft>
               <a:spcPct val="35000"/>
             </a:spcAft>
+            <a:buNone/>
           </a:pPr>
           <a:r>
-            <a:rPr lang="en-US" altLang="zh-TW" sz="1200" kern="1200" dirty="0" err="1" smtClean="0"/>
+            <a:rPr lang="en-US" altLang="zh-TW" sz="1200" kern="1200" dirty="0" err="1"/>
             <a:t>Github</a:t>
           </a:r>
           <a:endParaRPr lang="zh-TW" altLang="en-US" sz="1200" kern="1200" dirty="0"/>
@@ -1609,7 +2540,7 @@
         </a:bodyPr>
         <a:lstStyle/>
         <a:p>
-          <a:pPr lvl="0" algn="ctr" defTabSz="533400">
+          <a:pPr marL="0" lvl="0" indent="0" algn="ctr" defTabSz="533400">
             <a:lnSpc>
               <a:spcPct val="90000"/>
             </a:lnSpc>
@@ -1619,9 +2550,10 @@
             <a:spcAft>
               <a:spcPct val="35000"/>
             </a:spcAft>
+            <a:buNone/>
           </a:pPr>
           <a:r>
-            <a:rPr lang="en-US" altLang="zh-TW" sz="1200" kern="1200" dirty="0" smtClean="0"/>
+            <a:rPr lang="en-US" altLang="zh-TW" sz="1200" kern="1200" dirty="0"/>
             <a:t>Database</a:t>
           </a:r>
           <a:endParaRPr lang="zh-TW" altLang="en-US" sz="1200" kern="1200" dirty="0"/>
@@ -1696,7 +2628,7 @@
             <a:spcAft>
               <a:spcPct val="15000"/>
             </a:spcAft>
-            <a:buChar char="••"/>
+            <a:buChar char="•"/>
           </a:pPr>
           <a:endParaRPr lang="zh-TW" altLang="en-US" sz="2000" kern="1200" dirty="0"/>
         </a:p>
@@ -1711,7 +2643,7 @@
             <a:spcAft>
               <a:spcPct val="15000"/>
             </a:spcAft>
-            <a:buChar char="••"/>
+            <a:buChar char="•"/>
           </a:pPr>
           <a:endParaRPr lang="zh-TW" altLang="en-US" sz="2000" kern="1200" dirty="0"/>
         </a:p>
@@ -1776,7 +2708,7 @@
         </a:bodyPr>
         <a:lstStyle/>
         <a:p>
-          <a:pPr lvl="0" algn="ctr" defTabSz="533400">
+          <a:pPr marL="0" lvl="0" indent="0" algn="ctr" defTabSz="533400">
             <a:lnSpc>
               <a:spcPct val="90000"/>
             </a:lnSpc>
@@ -1786,9 +2718,10 @@
             <a:spcAft>
               <a:spcPct val="35000"/>
             </a:spcAft>
+            <a:buNone/>
           </a:pPr>
           <a:r>
-            <a:rPr lang="en-US" altLang="zh-TW" sz="1200" kern="1200" dirty="0" smtClean="0"/>
+            <a:rPr lang="en-US" altLang="zh-TW" sz="1200" kern="1200" dirty="0"/>
             <a:t>Algorithm</a:t>
           </a:r>
           <a:endParaRPr lang="zh-TW" altLang="en-US" sz="1200" kern="1200" dirty="0"/>
@@ -1863,7 +2796,7 @@
             <a:spcAft>
               <a:spcPct val="15000"/>
             </a:spcAft>
-            <a:buChar char="••"/>
+            <a:buChar char="•"/>
           </a:pPr>
           <a:endParaRPr lang="zh-TW" altLang="en-US" sz="2000" kern="1200" dirty="0"/>
         </a:p>
@@ -1878,7 +2811,7 @@
             <a:spcAft>
               <a:spcPct val="15000"/>
             </a:spcAft>
-            <a:buChar char="••"/>
+            <a:buChar char="•"/>
           </a:pPr>
           <a:endParaRPr lang="zh-TW" altLang="en-US" sz="2000" kern="1200" dirty="0"/>
         </a:p>
@@ -1943,7 +2876,7 @@
         </a:bodyPr>
         <a:lstStyle/>
         <a:p>
-          <a:pPr lvl="0" algn="ctr" defTabSz="533400">
+          <a:pPr marL="0" lvl="0" indent="0" algn="ctr" defTabSz="533400">
             <a:lnSpc>
               <a:spcPct val="90000"/>
             </a:lnSpc>
@@ -1953,9 +2886,10 @@
             <a:spcAft>
               <a:spcPct val="35000"/>
             </a:spcAft>
+            <a:buNone/>
           </a:pPr>
           <a:r>
-            <a:rPr lang="en-US" altLang="zh-TW" sz="1200" kern="1200" dirty="0" smtClean="0"/>
+            <a:rPr lang="en-US" altLang="zh-TW" sz="1200" kern="1200" dirty="0"/>
             <a:t>GUI/released version</a:t>
           </a:r>
           <a:endParaRPr lang="zh-TW" altLang="en-US" sz="1200" kern="1200" dirty="0"/>
@@ -2030,7 +2964,7 @@
             <a:spcAft>
               <a:spcPct val="15000"/>
             </a:spcAft>
-            <a:buChar char="••"/>
+            <a:buChar char="•"/>
           </a:pPr>
           <a:endParaRPr lang="zh-TW" altLang="en-US" sz="2000" kern="1200" dirty="0"/>
         </a:p>
@@ -2045,7 +2979,7 @@
             <a:spcAft>
               <a:spcPct val="15000"/>
             </a:spcAft>
-            <a:buChar char="••"/>
+            <a:buChar char="•"/>
           </a:pPr>
           <a:endParaRPr lang="zh-TW" altLang="en-US" sz="2000" kern="1200" dirty="0"/>
         </a:p>
@@ -2053,6 +2987,408 @@
       <dsp:txXfrm rot="-5400000">
         <a:off x="838822" y="3190728"/>
         <a:ext cx="9638754" cy="702860"/>
+      </dsp:txXfrm>
+    </dsp:sp>
+  </dsp:spTree>
+</dsp:drawing>
+</file>
+
+<file path=ppt/diagrams/drawing2.xml><?xml version="1.0" encoding="utf-8"?>
+<dsp:drawing xmlns:dgm="http://schemas.openxmlformats.org/drawingml/2006/diagram" xmlns:dsp="http://schemas.microsoft.com/office/drawing/2008/diagram" xmlns:a="http://schemas.openxmlformats.org/drawingml/2006/main">
+  <dsp:spTree>
+    <dsp:nvGrpSpPr>
+      <dsp:cNvPr id="0" name=""/>
+      <dsp:cNvGrpSpPr/>
+    </dsp:nvGrpSpPr>
+    <dsp:grpSpPr/>
+    <dsp:sp modelId="{62075BAC-6370-4982-A91E-88D8F0D487DE}">
+      <dsp:nvSpPr>
+        <dsp:cNvPr id="0" name=""/>
+        <dsp:cNvSpPr/>
+      </dsp:nvSpPr>
+      <dsp:spPr>
+        <a:xfrm>
+          <a:off x="9242" y="1346949"/>
+          <a:ext cx="2762398" cy="1657439"/>
+        </a:xfrm>
+        <a:prstGeom prst="roundRect">
+          <a:avLst>
+            <a:gd name="adj" fmla="val 10000"/>
+          </a:avLst>
+        </a:prstGeom>
+        <a:solidFill>
+          <a:schemeClr val="lt1">
+            <a:hueOff val="0"/>
+            <a:satOff val="0"/>
+            <a:lumOff val="0"/>
+            <a:alphaOff val="0"/>
+          </a:schemeClr>
+        </a:solidFill>
+        <a:ln w="12700" cap="flat" cmpd="sng" algn="ctr">
+          <a:solidFill>
+            <a:schemeClr val="accent3">
+              <a:shade val="80000"/>
+              <a:hueOff val="0"/>
+              <a:satOff val="0"/>
+              <a:lumOff val="0"/>
+              <a:alphaOff val="0"/>
+            </a:schemeClr>
+          </a:solidFill>
+          <a:prstDash val="solid"/>
+          <a:miter lim="800000"/>
+        </a:ln>
+        <a:effectLst/>
+      </dsp:spPr>
+      <dsp:style>
+        <a:lnRef idx="2">
+          <a:scrgbClr r="0" g="0" b="0"/>
+        </a:lnRef>
+        <a:fillRef idx="1">
+          <a:scrgbClr r="0" g="0" b="0"/>
+        </a:fillRef>
+        <a:effectRef idx="0">
+          <a:scrgbClr r="0" g="0" b="0"/>
+        </a:effectRef>
+        <a:fontRef idx="minor">
+          <a:schemeClr val="lt1"/>
+        </a:fontRef>
+      </dsp:style>
+      <dsp:txBody>
+        <a:bodyPr spcFirstLastPara="0" vert="horz" wrap="square" lIns="95250" tIns="95250" rIns="95250" bIns="95250" numCol="1" spcCol="1270" anchor="ctr" anchorCtr="0">
+          <a:noAutofit/>
+        </a:bodyPr>
+        <a:lstStyle/>
+        <a:p>
+          <a:pPr marL="0" lvl="0" indent="0" algn="ctr" defTabSz="1111250">
+            <a:lnSpc>
+              <a:spcPct val="90000"/>
+            </a:lnSpc>
+            <a:spcBef>
+              <a:spcPct val="0"/>
+            </a:spcBef>
+            <a:spcAft>
+              <a:spcPct val="35000"/>
+            </a:spcAft>
+            <a:buNone/>
+          </a:pPr>
+          <a:r>
+            <a:rPr lang="en-US" altLang="zh-TW" sz="2500" kern="1200" dirty="0"/>
+            <a:t>Expected buy/sell point generation</a:t>
+          </a:r>
+          <a:endParaRPr lang="zh-TW" altLang="en-US" sz="2500" kern="1200" dirty="0"/>
+        </a:p>
+      </dsp:txBody>
+      <dsp:txXfrm>
+        <a:off x="57787" y="1395494"/>
+        <a:ext cx="2665308" cy="1560349"/>
+      </dsp:txXfrm>
+    </dsp:sp>
+    <dsp:sp modelId="{BB21F937-E91C-42B0-BFB8-B9488915C5A7}">
+      <dsp:nvSpPr>
+        <dsp:cNvPr id="0" name=""/>
+        <dsp:cNvSpPr/>
+      </dsp:nvSpPr>
+      <dsp:spPr>
+        <a:xfrm>
+          <a:off x="3047880" y="1833131"/>
+          <a:ext cx="585628" cy="685074"/>
+        </a:xfrm>
+        <a:prstGeom prst="rightArrow">
+          <a:avLst>
+            <a:gd name="adj1" fmla="val 60000"/>
+            <a:gd name="adj2" fmla="val 50000"/>
+          </a:avLst>
+        </a:prstGeom>
+        <a:solidFill>
+          <a:schemeClr val="accent3">
+            <a:tint val="60000"/>
+            <a:hueOff val="0"/>
+            <a:satOff val="0"/>
+            <a:lumOff val="0"/>
+            <a:alphaOff val="0"/>
+          </a:schemeClr>
+        </a:solidFill>
+        <a:ln>
+          <a:noFill/>
+        </a:ln>
+        <a:effectLst/>
+      </dsp:spPr>
+      <dsp:style>
+        <a:lnRef idx="0">
+          <a:scrgbClr r="0" g="0" b="0"/>
+        </a:lnRef>
+        <a:fillRef idx="1">
+          <a:scrgbClr r="0" g="0" b="0"/>
+        </a:fillRef>
+        <a:effectRef idx="0">
+          <a:scrgbClr r="0" g="0" b="0"/>
+        </a:effectRef>
+        <a:fontRef idx="minor">
+          <a:schemeClr val="lt1"/>
+        </a:fontRef>
+      </dsp:style>
+      <dsp:txBody>
+        <a:bodyPr spcFirstLastPara="0" vert="horz" wrap="square" lIns="0" tIns="0" rIns="0" bIns="0" numCol="1" spcCol="1270" anchor="ctr" anchorCtr="0">
+          <a:noAutofit/>
+        </a:bodyPr>
+        <a:lstStyle/>
+        <a:p>
+          <a:pPr marL="0" lvl="0" indent="0" algn="ctr" defTabSz="889000">
+            <a:lnSpc>
+              <a:spcPct val="90000"/>
+            </a:lnSpc>
+            <a:spcBef>
+              <a:spcPct val="0"/>
+            </a:spcBef>
+            <a:spcAft>
+              <a:spcPct val="35000"/>
+            </a:spcAft>
+            <a:buNone/>
+          </a:pPr>
+          <a:endParaRPr lang="zh-TW" altLang="en-US" sz="2000" kern="1200"/>
+        </a:p>
+      </dsp:txBody>
+      <dsp:txXfrm>
+        <a:off x="3047880" y="1970146"/>
+        <a:ext cx="409940" cy="411044"/>
+      </dsp:txXfrm>
+    </dsp:sp>
+    <dsp:sp modelId="{9CDC5ED7-117C-411C-BF81-6EEFC03FF1CF}">
+      <dsp:nvSpPr>
+        <dsp:cNvPr id="0" name=""/>
+        <dsp:cNvSpPr/>
+      </dsp:nvSpPr>
+      <dsp:spPr>
+        <a:xfrm>
+          <a:off x="3876600" y="1346949"/>
+          <a:ext cx="2762398" cy="1657439"/>
+        </a:xfrm>
+        <a:prstGeom prst="roundRect">
+          <a:avLst>
+            <a:gd name="adj" fmla="val 10000"/>
+          </a:avLst>
+        </a:prstGeom>
+        <a:solidFill>
+          <a:schemeClr val="lt1">
+            <a:hueOff val="0"/>
+            <a:satOff val="0"/>
+            <a:lumOff val="0"/>
+            <a:alphaOff val="0"/>
+          </a:schemeClr>
+        </a:solidFill>
+        <a:ln w="12700" cap="flat" cmpd="sng" algn="ctr">
+          <a:solidFill>
+            <a:schemeClr val="accent3">
+              <a:shade val="80000"/>
+              <a:hueOff val="0"/>
+              <a:satOff val="0"/>
+              <a:lumOff val="0"/>
+              <a:alphaOff val="0"/>
+            </a:schemeClr>
+          </a:solidFill>
+          <a:prstDash val="solid"/>
+          <a:miter lim="800000"/>
+        </a:ln>
+        <a:effectLst/>
+      </dsp:spPr>
+      <dsp:style>
+        <a:lnRef idx="2">
+          <a:scrgbClr r="0" g="0" b="0"/>
+        </a:lnRef>
+        <a:fillRef idx="1">
+          <a:scrgbClr r="0" g="0" b="0"/>
+        </a:fillRef>
+        <a:effectRef idx="0">
+          <a:scrgbClr r="0" g="0" b="0"/>
+        </a:effectRef>
+        <a:fontRef idx="minor">
+          <a:schemeClr val="lt1"/>
+        </a:fontRef>
+      </dsp:style>
+      <dsp:txBody>
+        <a:bodyPr spcFirstLastPara="0" vert="horz" wrap="square" lIns="95250" tIns="95250" rIns="95250" bIns="95250" numCol="1" spcCol="1270" anchor="ctr" anchorCtr="0">
+          <a:noAutofit/>
+        </a:bodyPr>
+        <a:lstStyle/>
+        <a:p>
+          <a:pPr marL="0" lvl="0" indent="0" algn="ctr" defTabSz="1111250">
+            <a:lnSpc>
+              <a:spcPct val="90000"/>
+            </a:lnSpc>
+            <a:spcBef>
+              <a:spcPct val="0"/>
+            </a:spcBef>
+            <a:spcAft>
+              <a:spcPct val="35000"/>
+            </a:spcAft>
+            <a:buNone/>
+          </a:pPr>
+          <a:r>
+            <a:rPr lang="en-US" altLang="zh-TW" sz="2500" kern="1200" dirty="0"/>
+            <a:t>Execute the points which matches the real conditions</a:t>
+          </a:r>
+          <a:endParaRPr lang="zh-TW" altLang="en-US" sz="2500" kern="1200" dirty="0"/>
+        </a:p>
+      </dsp:txBody>
+      <dsp:txXfrm>
+        <a:off x="3925145" y="1395494"/>
+        <a:ext cx="2665308" cy="1560349"/>
+      </dsp:txXfrm>
+    </dsp:sp>
+    <dsp:sp modelId="{08FEE6A3-BDBA-410D-956C-25FA03B324E3}">
+      <dsp:nvSpPr>
+        <dsp:cNvPr id="0" name=""/>
+        <dsp:cNvSpPr/>
+      </dsp:nvSpPr>
+      <dsp:spPr>
+        <a:xfrm>
+          <a:off x="6915239" y="1833131"/>
+          <a:ext cx="585628" cy="685074"/>
+        </a:xfrm>
+        <a:prstGeom prst="rightArrow">
+          <a:avLst>
+            <a:gd name="adj1" fmla="val 60000"/>
+            <a:gd name="adj2" fmla="val 50000"/>
+          </a:avLst>
+        </a:prstGeom>
+        <a:solidFill>
+          <a:schemeClr val="accent3">
+            <a:tint val="60000"/>
+            <a:hueOff val="0"/>
+            <a:satOff val="0"/>
+            <a:lumOff val="0"/>
+            <a:alphaOff val="0"/>
+          </a:schemeClr>
+        </a:solidFill>
+        <a:ln>
+          <a:noFill/>
+        </a:ln>
+        <a:effectLst/>
+      </dsp:spPr>
+      <dsp:style>
+        <a:lnRef idx="0">
+          <a:scrgbClr r="0" g="0" b="0"/>
+        </a:lnRef>
+        <a:fillRef idx="1">
+          <a:scrgbClr r="0" g="0" b="0"/>
+        </a:fillRef>
+        <a:effectRef idx="0">
+          <a:scrgbClr r="0" g="0" b="0"/>
+        </a:effectRef>
+        <a:fontRef idx="minor">
+          <a:schemeClr val="lt1"/>
+        </a:fontRef>
+      </dsp:style>
+      <dsp:txBody>
+        <a:bodyPr spcFirstLastPara="0" vert="horz" wrap="square" lIns="0" tIns="0" rIns="0" bIns="0" numCol="1" spcCol="1270" anchor="ctr" anchorCtr="0">
+          <a:noAutofit/>
+        </a:bodyPr>
+        <a:lstStyle/>
+        <a:p>
+          <a:pPr marL="0" lvl="0" indent="0" algn="ctr" defTabSz="889000">
+            <a:lnSpc>
+              <a:spcPct val="90000"/>
+            </a:lnSpc>
+            <a:spcBef>
+              <a:spcPct val="0"/>
+            </a:spcBef>
+            <a:spcAft>
+              <a:spcPct val="35000"/>
+            </a:spcAft>
+            <a:buNone/>
+          </a:pPr>
+          <a:endParaRPr lang="zh-TW" altLang="en-US" sz="2000" kern="1200"/>
+        </a:p>
+      </dsp:txBody>
+      <dsp:txXfrm>
+        <a:off x="6915239" y="1970146"/>
+        <a:ext cx="409940" cy="411044"/>
+      </dsp:txXfrm>
+    </dsp:sp>
+    <dsp:sp modelId="{0DFC1C4E-6172-47A2-8B65-DCA9849A48DD}">
+      <dsp:nvSpPr>
+        <dsp:cNvPr id="0" name=""/>
+        <dsp:cNvSpPr/>
+      </dsp:nvSpPr>
+      <dsp:spPr>
+        <a:xfrm>
+          <a:off x="7743958" y="1346949"/>
+          <a:ext cx="2762398" cy="1657439"/>
+        </a:xfrm>
+        <a:prstGeom prst="roundRect">
+          <a:avLst>
+            <a:gd name="adj" fmla="val 10000"/>
+          </a:avLst>
+        </a:prstGeom>
+        <a:solidFill>
+          <a:schemeClr val="lt1">
+            <a:hueOff val="0"/>
+            <a:satOff val="0"/>
+            <a:lumOff val="0"/>
+            <a:alphaOff val="0"/>
+          </a:schemeClr>
+        </a:solidFill>
+        <a:ln w="12700" cap="flat" cmpd="sng" algn="ctr">
+          <a:solidFill>
+            <a:schemeClr val="accent3">
+              <a:shade val="80000"/>
+              <a:hueOff val="0"/>
+              <a:satOff val="0"/>
+              <a:lumOff val="0"/>
+              <a:alphaOff val="0"/>
+            </a:schemeClr>
+          </a:solidFill>
+          <a:prstDash val="solid"/>
+          <a:miter lim="800000"/>
+        </a:ln>
+        <a:effectLst/>
+      </dsp:spPr>
+      <dsp:style>
+        <a:lnRef idx="2">
+          <a:scrgbClr r="0" g="0" b="0"/>
+        </a:lnRef>
+        <a:fillRef idx="1">
+          <a:scrgbClr r="0" g="0" b="0"/>
+        </a:fillRef>
+        <a:effectRef idx="0">
+          <a:scrgbClr r="0" g="0" b="0"/>
+        </a:effectRef>
+        <a:fontRef idx="minor">
+          <a:schemeClr val="lt1"/>
+        </a:fontRef>
+      </dsp:style>
+      <dsp:txBody>
+        <a:bodyPr spcFirstLastPara="0" vert="horz" wrap="square" lIns="95250" tIns="95250" rIns="95250" bIns="95250" numCol="1" spcCol="1270" anchor="ctr" anchorCtr="0">
+          <a:noAutofit/>
+        </a:bodyPr>
+        <a:lstStyle/>
+        <a:p>
+          <a:pPr marL="0" lvl="0" indent="0" algn="ctr" defTabSz="1111250">
+            <a:lnSpc>
+              <a:spcPct val="90000"/>
+            </a:lnSpc>
+            <a:spcBef>
+              <a:spcPct val="0"/>
+            </a:spcBef>
+            <a:spcAft>
+              <a:spcPct val="35000"/>
+            </a:spcAft>
+            <a:buNone/>
+          </a:pPr>
+          <a:r>
+            <a:rPr lang="en-US" altLang="zh-TW" sz="2500" kern="1200" dirty="0"/>
+            <a:t>Calculate the return rate (</a:t>
+          </a:r>
+          <a:r>
+            <a:rPr lang="en-US" altLang="zh-TW" sz="2500" kern="1200"/>
+            <a:t>target function)</a:t>
+          </a:r>
+          <a:endParaRPr lang="zh-TW" altLang="en-US" sz="2500" kern="1200" dirty="0"/>
+        </a:p>
+      </dsp:txBody>
+      <dsp:txXfrm>
+        <a:off x="7792503" y="1395494"/>
+        <a:ext cx="2665308" cy="1560349"/>
       </dsp:txXfrm>
     </dsp:sp>
   </dsp:spTree>
@@ -2315,7 +3651,1187 @@
 </dgm:layoutDef>
 </file>
 
+<file path=ppt/diagrams/layout2.xml><?xml version="1.0" encoding="utf-8"?>
+<dgm:layoutDef xmlns:dgm="http://schemas.openxmlformats.org/drawingml/2006/diagram" xmlns:a="http://schemas.openxmlformats.org/drawingml/2006/main" uniqueId="urn:microsoft.com/office/officeart/2005/8/layout/process1">
+  <dgm:title val=""/>
+  <dgm:desc val=""/>
+  <dgm:catLst>
+    <dgm:cat type="process" pri="1000"/>
+    <dgm:cat type="convert" pri="15000"/>
+  </dgm:catLst>
+  <dgm:sampData useDef="1">
+    <dgm:dataModel>
+      <dgm:ptLst/>
+      <dgm:bg/>
+      <dgm:whole/>
+    </dgm:dataModel>
+  </dgm:sampData>
+  <dgm:styleData>
+    <dgm:dataModel>
+      <dgm:ptLst>
+        <dgm:pt modelId="0" type="doc"/>
+        <dgm:pt modelId="1"/>
+        <dgm:pt modelId="2"/>
+      </dgm:ptLst>
+      <dgm:cxnLst>
+        <dgm:cxn modelId="3" srcId="0" destId="1" srcOrd="0" destOrd="0"/>
+        <dgm:cxn modelId="4" srcId="0" destId="2" srcOrd="1" destOrd="0"/>
+      </dgm:cxnLst>
+      <dgm:bg/>
+      <dgm:whole/>
+    </dgm:dataModel>
+  </dgm:styleData>
+  <dgm:clrData>
+    <dgm:dataModel>
+      <dgm:ptLst>
+        <dgm:pt modelId="0" type="doc"/>
+        <dgm:pt modelId="1"/>
+        <dgm:pt modelId="2"/>
+        <dgm:pt modelId="3"/>
+        <dgm:pt modelId="4"/>
+      </dgm:ptLst>
+      <dgm:cxnLst>
+        <dgm:cxn modelId="5" srcId="0" destId="1" srcOrd="0" destOrd="0"/>
+        <dgm:cxn modelId="6" srcId="0" destId="2" srcOrd="1" destOrd="0"/>
+        <dgm:cxn modelId="7" srcId="0" destId="3" srcOrd="2" destOrd="0"/>
+        <dgm:cxn modelId="8" srcId="0" destId="4" srcOrd="3" destOrd="0"/>
+      </dgm:cxnLst>
+      <dgm:bg/>
+      <dgm:whole/>
+    </dgm:dataModel>
+  </dgm:clrData>
+  <dgm:layoutNode name="Name0">
+    <dgm:varLst>
+      <dgm:dir/>
+      <dgm:resizeHandles val="exact"/>
+    </dgm:varLst>
+    <dgm:choose name="Name1">
+      <dgm:if name="Name2" func="var" arg="dir" op="equ" val="norm">
+        <dgm:alg type="lin"/>
+      </dgm:if>
+      <dgm:else name="Name3">
+        <dgm:alg type="lin">
+          <dgm:param type="linDir" val="fromR"/>
+        </dgm:alg>
+      </dgm:else>
+    </dgm:choose>
+    <dgm:shape xmlns:r="http://schemas.openxmlformats.org/officeDocument/2006/relationships" r:blip="">
+      <dgm:adjLst/>
+    </dgm:shape>
+    <dgm:presOf/>
+    <dgm:constrLst>
+      <dgm:constr type="w" for="ch" ptType="node" refType="w"/>
+      <dgm:constr type="h" for="ch" ptType="node" op="equ"/>
+      <dgm:constr type="primFontSz" for="ch" ptType="node" op="equ" val="65"/>
+      <dgm:constr type="w" for="ch" ptType="sibTrans" refType="w" refFor="ch" refPtType="node" op="equ" fact="0.4"/>
+      <dgm:constr type="h" for="ch" ptType="sibTrans" op="equ"/>
+      <dgm:constr type="primFontSz" for="des" forName="connectorText" op="equ" val="55"/>
+      <dgm:constr type="primFontSz" for="des" forName="connectorText" refType="primFontSz" refFor="ch" refPtType="node" op="lte" fact="0.8"/>
+    </dgm:constrLst>
+    <dgm:ruleLst/>
+    <dgm:forEach name="nodesForEach" axis="ch" ptType="node">
+      <dgm:layoutNode name="node">
+        <dgm:varLst>
+          <dgm:bulletEnabled val="1"/>
+        </dgm:varLst>
+        <dgm:alg type="tx"/>
+        <dgm:shape xmlns:r="http://schemas.openxmlformats.org/officeDocument/2006/relationships" type="roundRect" r:blip="">
+          <dgm:adjLst>
+            <dgm:adj idx="1" val="0.1"/>
+          </dgm:adjLst>
+        </dgm:shape>
+        <dgm:presOf axis="desOrSelf" ptType="node"/>
+        <dgm:constrLst>
+          <dgm:constr type="h" refType="w" fact="0.6"/>
+          <dgm:constr type="tMarg" refType="primFontSz" fact="0.3"/>
+          <dgm:constr type="bMarg" refType="primFontSz" fact="0.3"/>
+          <dgm:constr type="lMarg" refType="primFontSz" fact="0.3"/>
+          <dgm:constr type="rMarg" refType="primFontSz" fact="0.3"/>
+        </dgm:constrLst>
+        <dgm:ruleLst>
+          <dgm:rule type="primFontSz" val="18" fact="NaN" max="NaN"/>
+          <dgm:rule type="h" val="NaN" fact="1.5" max="NaN"/>
+          <dgm:rule type="primFontSz" val="5" fact="NaN" max="NaN"/>
+          <dgm:rule type="h" val="INF" fact="NaN" max="NaN"/>
+        </dgm:ruleLst>
+      </dgm:layoutNode>
+      <dgm:forEach name="sibTransForEach" axis="followSib" ptType="sibTrans" cnt="1">
+        <dgm:layoutNode name="sibTrans">
+          <dgm:alg type="conn">
+            <dgm:param type="begPts" val="auto"/>
+            <dgm:param type="endPts" val="auto"/>
+          </dgm:alg>
+          <dgm:shape xmlns:r="http://schemas.openxmlformats.org/officeDocument/2006/relationships" type="conn" r:blip="">
+            <dgm:adjLst/>
+          </dgm:shape>
+          <dgm:presOf axis="self"/>
+          <dgm:constrLst>
+            <dgm:constr type="h" refType="w" fact="0.62"/>
+            <dgm:constr type="connDist"/>
+            <dgm:constr type="begPad" refType="connDist" fact="0.25"/>
+            <dgm:constr type="endPad" refType="connDist" fact="0.22"/>
+          </dgm:constrLst>
+          <dgm:ruleLst/>
+          <dgm:layoutNode name="connectorText">
+            <dgm:alg type="tx">
+              <dgm:param type="autoTxRot" val="grav"/>
+            </dgm:alg>
+            <dgm:shape xmlns:r="http://schemas.openxmlformats.org/officeDocument/2006/relationships" type="conn" r:blip="" hideGeom="1">
+              <dgm:adjLst/>
+            </dgm:shape>
+            <dgm:presOf axis="self"/>
+            <dgm:constrLst>
+              <dgm:constr type="lMarg"/>
+              <dgm:constr type="rMarg"/>
+              <dgm:constr type="tMarg"/>
+              <dgm:constr type="bMarg"/>
+            </dgm:constrLst>
+            <dgm:ruleLst>
+              <dgm:rule type="primFontSz" val="5" fact="NaN" max="NaN"/>
+            </dgm:ruleLst>
+          </dgm:layoutNode>
+        </dgm:layoutNode>
+      </dgm:forEach>
+    </dgm:forEach>
+  </dgm:layoutNode>
+</dgm:layoutDef>
+</file>
+
 <file path=ppt/diagrams/quickStyle1.xml><?xml version="1.0" encoding="utf-8"?>
+<dgm:styleDef xmlns:dgm="http://schemas.openxmlformats.org/drawingml/2006/diagram" xmlns:a="http://schemas.openxmlformats.org/drawingml/2006/main" uniqueId="urn:microsoft.com/office/officeart/2005/8/quickstyle/simple1">
+  <dgm:title val=""/>
+  <dgm:desc val=""/>
+  <dgm:catLst>
+    <dgm:cat type="simple" pri="10100"/>
+  </dgm:catLst>
+  <dgm:scene3d>
+    <a:camera prst="orthographicFront"/>
+    <a:lightRig rig="threePt" dir="t"/>
+  </dgm:scene3d>
+  <dgm:styleLbl name="node0">
+    <dgm:scene3d>
+      <a:camera prst="orthographicFront"/>
+      <a:lightRig rig="threePt" dir="t"/>
+    </dgm:scene3d>
+    <dgm:sp3d/>
+    <dgm:txPr/>
+    <dgm:style>
+      <a:lnRef idx="2">
+        <a:scrgbClr r="0" g="0" b="0"/>
+      </a:lnRef>
+      <a:fillRef idx="1">
+        <a:scrgbClr r="0" g="0" b="0"/>
+      </a:fillRef>
+      <a:effectRef idx="0">
+        <a:scrgbClr r="0" g="0" b="0"/>
+      </a:effectRef>
+      <a:fontRef idx="minor">
+        <a:schemeClr val="lt1"/>
+      </a:fontRef>
+    </dgm:style>
+  </dgm:styleLbl>
+  <dgm:styleLbl name="lnNode1">
+    <dgm:scene3d>
+      <a:camera prst="orthographicFront"/>
+      <a:lightRig rig="threePt" dir="t"/>
+    </dgm:scene3d>
+    <dgm:sp3d/>
+    <dgm:txPr/>
+    <dgm:style>
+      <a:lnRef idx="2">
+        <a:scrgbClr r="0" g="0" b="0"/>
+      </a:lnRef>
+      <a:fillRef idx="1">
+        <a:scrgbClr r="0" g="0" b="0"/>
+      </a:fillRef>
+      <a:effectRef idx="0">
+        <a:scrgbClr r="0" g="0" b="0"/>
+      </a:effectRef>
+      <a:fontRef idx="minor">
+        <a:schemeClr val="lt1"/>
+      </a:fontRef>
+    </dgm:style>
+  </dgm:styleLbl>
+  <dgm:styleLbl name="vennNode1">
+    <dgm:scene3d>
+      <a:camera prst="orthographicFront"/>
+      <a:lightRig rig="threePt" dir="t"/>
+    </dgm:scene3d>
+    <dgm:sp3d/>
+    <dgm:txPr/>
+    <dgm:style>
+      <a:lnRef idx="2">
+        <a:scrgbClr r="0" g="0" b="0"/>
+      </a:lnRef>
+      <a:fillRef idx="1">
+        <a:scrgbClr r="0" g="0" b="0"/>
+      </a:fillRef>
+      <a:effectRef idx="0">
+        <a:scrgbClr r="0" g="0" b="0"/>
+      </a:effectRef>
+      <a:fontRef idx="minor">
+        <a:schemeClr val="tx1"/>
+      </a:fontRef>
+    </dgm:style>
+  </dgm:styleLbl>
+  <dgm:styleLbl name="alignNode1">
+    <dgm:scene3d>
+      <a:camera prst="orthographicFront"/>
+      <a:lightRig rig="threePt" dir="t"/>
+    </dgm:scene3d>
+    <dgm:sp3d/>
+    <dgm:txPr/>
+    <dgm:style>
+      <a:lnRef idx="2">
+        <a:scrgbClr r="0" g="0" b="0"/>
+      </a:lnRef>
+      <a:fillRef idx="1">
+        <a:scrgbClr r="0" g="0" b="0"/>
+      </a:fillRef>
+      <a:effectRef idx="0">
+        <a:scrgbClr r="0" g="0" b="0"/>
+      </a:effectRef>
+      <a:fontRef idx="minor">
+        <a:schemeClr val="lt1"/>
+      </a:fontRef>
+    </dgm:style>
+  </dgm:styleLbl>
+  <dgm:styleLbl name="node1">
+    <dgm:scene3d>
+      <a:camera prst="orthographicFront"/>
+      <a:lightRig rig="threePt" dir="t"/>
+    </dgm:scene3d>
+    <dgm:sp3d/>
+    <dgm:txPr/>
+    <dgm:style>
+      <a:lnRef idx="2">
+        <a:scrgbClr r="0" g="0" b="0"/>
+      </a:lnRef>
+      <a:fillRef idx="1">
+        <a:scrgbClr r="0" g="0" b="0"/>
+      </a:fillRef>
+      <a:effectRef idx="0">
+        <a:scrgbClr r="0" g="0" b="0"/>
+      </a:effectRef>
+      <a:fontRef idx="minor">
+        <a:schemeClr val="lt1"/>
+      </a:fontRef>
+    </dgm:style>
+  </dgm:styleLbl>
+  <dgm:styleLbl name="node2">
+    <dgm:scene3d>
+      <a:camera prst="orthographicFront"/>
+      <a:lightRig rig="threePt" dir="t"/>
+    </dgm:scene3d>
+    <dgm:sp3d/>
+    <dgm:txPr/>
+    <dgm:style>
+      <a:lnRef idx="2">
+        <a:scrgbClr r="0" g="0" b="0"/>
+      </a:lnRef>
+      <a:fillRef idx="1">
+        <a:scrgbClr r="0" g="0" b="0"/>
+      </a:fillRef>
+      <a:effectRef idx="0">
+        <a:scrgbClr r="0" g="0" b="0"/>
+      </a:effectRef>
+      <a:fontRef idx="minor">
+        <a:schemeClr val="lt1"/>
+      </a:fontRef>
+    </dgm:style>
+  </dgm:styleLbl>
+  <dgm:styleLbl name="node3">
+    <dgm:scene3d>
+      <a:camera prst="orthographicFront"/>
+      <a:lightRig rig="threePt" dir="t"/>
+    </dgm:scene3d>
+    <dgm:sp3d/>
+    <dgm:txPr/>
+    <dgm:style>
+      <a:lnRef idx="2">
+        <a:scrgbClr r="0" g="0" b="0"/>
+      </a:lnRef>
+      <a:fillRef idx="1">
+        <a:scrgbClr r="0" g="0" b="0"/>
+      </a:fillRef>
+      <a:effectRef idx="0">
+        <a:scrgbClr r="0" g="0" b="0"/>
+      </a:effectRef>
+      <a:fontRef idx="minor">
+        <a:schemeClr val="lt1"/>
+      </a:fontRef>
+    </dgm:style>
+  </dgm:styleLbl>
+  <dgm:styleLbl name="node4">
+    <dgm:scene3d>
+      <a:camera prst="orthographicFront"/>
+      <a:lightRig rig="threePt" dir="t"/>
+    </dgm:scene3d>
+    <dgm:sp3d/>
+    <dgm:txPr/>
+    <dgm:style>
+      <a:lnRef idx="2">
+        <a:scrgbClr r="0" g="0" b="0"/>
+      </a:lnRef>
+      <a:fillRef idx="1">
+        <a:scrgbClr r="0" g="0" b="0"/>
+      </a:fillRef>
+      <a:effectRef idx="0">
+        <a:scrgbClr r="0" g="0" b="0"/>
+      </a:effectRef>
+      <a:fontRef idx="minor">
+        <a:schemeClr val="lt1"/>
+      </a:fontRef>
+    </dgm:style>
+  </dgm:styleLbl>
+  <dgm:styleLbl name="fgImgPlace1">
+    <dgm:scene3d>
+      <a:camera prst="orthographicFront"/>
+      <a:lightRig rig="threePt" dir="t"/>
+    </dgm:scene3d>
+    <dgm:sp3d/>
+    <dgm:txPr/>
+    <dgm:style>
+      <a:lnRef idx="2">
+        <a:scrgbClr r="0" g="0" b="0"/>
+      </a:lnRef>
+      <a:fillRef idx="1">
+        <a:scrgbClr r="0" g="0" b="0"/>
+      </a:fillRef>
+      <a:effectRef idx="0">
+        <a:scrgbClr r="0" g="0" b="0"/>
+      </a:effectRef>
+      <a:fontRef idx="minor"/>
+    </dgm:style>
+  </dgm:styleLbl>
+  <dgm:styleLbl name="alignImgPlace1">
+    <dgm:scene3d>
+      <a:camera prst="orthographicFront"/>
+      <a:lightRig rig="threePt" dir="t"/>
+    </dgm:scene3d>
+    <dgm:sp3d/>
+    <dgm:txPr/>
+    <dgm:style>
+      <a:lnRef idx="2">
+        <a:scrgbClr r="0" g="0" b="0"/>
+      </a:lnRef>
+      <a:fillRef idx="1">
+        <a:scrgbClr r="0" g="0" b="0"/>
+      </a:fillRef>
+      <a:effectRef idx="0">
+        <a:scrgbClr r="0" g="0" b="0"/>
+      </a:effectRef>
+      <a:fontRef idx="minor"/>
+    </dgm:style>
+  </dgm:styleLbl>
+  <dgm:styleLbl name="bgImgPlace1">
+    <dgm:scene3d>
+      <a:camera prst="orthographicFront"/>
+      <a:lightRig rig="threePt" dir="t"/>
+    </dgm:scene3d>
+    <dgm:sp3d/>
+    <dgm:txPr/>
+    <dgm:style>
+      <a:lnRef idx="2">
+        <a:scrgbClr r="0" g="0" b="0"/>
+      </a:lnRef>
+      <a:fillRef idx="1">
+        <a:scrgbClr r="0" g="0" b="0"/>
+      </a:fillRef>
+      <a:effectRef idx="0">
+        <a:scrgbClr r="0" g="0" b="0"/>
+      </a:effectRef>
+      <a:fontRef idx="minor"/>
+    </dgm:style>
+  </dgm:styleLbl>
+  <dgm:styleLbl name="sibTrans2D1">
+    <dgm:scene3d>
+      <a:camera prst="orthographicFront"/>
+      <a:lightRig rig="threePt" dir="t"/>
+    </dgm:scene3d>
+    <dgm:sp3d/>
+    <dgm:txPr/>
+    <dgm:style>
+      <a:lnRef idx="0">
+        <a:scrgbClr r="0" g="0" b="0"/>
+      </a:lnRef>
+      <a:fillRef idx="1">
+        <a:scrgbClr r="0" g="0" b="0"/>
+      </a:fillRef>
+      <a:effectRef idx="0">
+        <a:scrgbClr r="0" g="0" b="0"/>
+      </a:effectRef>
+      <a:fontRef idx="minor">
+        <a:schemeClr val="lt1"/>
+      </a:fontRef>
+    </dgm:style>
+  </dgm:styleLbl>
+  <dgm:styleLbl name="fgSibTrans2D1">
+    <dgm:scene3d>
+      <a:camera prst="orthographicFront"/>
+      <a:lightRig rig="threePt" dir="t"/>
+    </dgm:scene3d>
+    <dgm:sp3d/>
+    <dgm:txPr/>
+    <dgm:style>
+      <a:lnRef idx="0">
+        <a:scrgbClr r="0" g="0" b="0"/>
+      </a:lnRef>
+      <a:fillRef idx="1">
+        <a:scrgbClr r="0" g="0" b="0"/>
+      </a:fillRef>
+      <a:effectRef idx="0">
+        <a:scrgbClr r="0" g="0" b="0"/>
+      </a:effectRef>
+      <a:fontRef idx="minor">
+        <a:schemeClr val="lt1"/>
+      </a:fontRef>
+    </dgm:style>
+  </dgm:styleLbl>
+  <dgm:styleLbl name="bgSibTrans2D1">
+    <dgm:scene3d>
+      <a:camera prst="orthographicFront"/>
+      <a:lightRig rig="threePt" dir="t"/>
+    </dgm:scene3d>
+    <dgm:sp3d/>
+    <dgm:txPr/>
+    <dgm:style>
+      <a:lnRef idx="0">
+        <a:scrgbClr r="0" g="0" b="0"/>
+      </a:lnRef>
+      <a:fillRef idx="1">
+        <a:scrgbClr r="0" g="0" b="0"/>
+      </a:fillRef>
+      <a:effectRef idx="0">
+        <a:scrgbClr r="0" g="0" b="0"/>
+      </a:effectRef>
+      <a:fontRef idx="minor">
+        <a:schemeClr val="lt1"/>
+      </a:fontRef>
+    </dgm:style>
+  </dgm:styleLbl>
+  <dgm:styleLbl name="sibTrans1D1">
+    <dgm:scene3d>
+      <a:camera prst="orthographicFront"/>
+      <a:lightRig rig="threePt" dir="t"/>
+    </dgm:scene3d>
+    <dgm:sp3d/>
+    <dgm:txPr/>
+    <dgm:style>
+      <a:lnRef idx="1">
+        <a:scrgbClr r="0" g="0" b="0"/>
+      </a:lnRef>
+      <a:fillRef idx="0">
+        <a:scrgbClr r="0" g="0" b="0"/>
+      </a:fillRef>
+      <a:effectRef idx="0">
+        <a:scrgbClr r="0" g="0" b="0"/>
+      </a:effectRef>
+      <a:fontRef idx="minor"/>
+    </dgm:style>
+  </dgm:styleLbl>
+  <dgm:styleLbl name="callout">
+    <dgm:scene3d>
+      <a:camera prst="orthographicFront"/>
+      <a:lightRig rig="threePt" dir="t"/>
+    </dgm:scene3d>
+    <dgm:sp3d/>
+    <dgm:txPr/>
+    <dgm:style>
+      <a:lnRef idx="2">
+        <a:scrgbClr r="0" g="0" b="0"/>
+      </a:lnRef>
+      <a:fillRef idx="1">
+        <a:scrgbClr r="0" g="0" b="0"/>
+      </a:fillRef>
+      <a:effectRef idx="0">
+        <a:scrgbClr r="0" g="0" b="0"/>
+      </a:effectRef>
+      <a:fontRef idx="minor"/>
+    </dgm:style>
+  </dgm:styleLbl>
+  <dgm:styleLbl name="asst0">
+    <dgm:scene3d>
+      <a:camera prst="orthographicFront"/>
+      <a:lightRig rig="threePt" dir="t"/>
+    </dgm:scene3d>
+    <dgm:sp3d/>
+    <dgm:txPr/>
+    <dgm:style>
+      <a:lnRef idx="2">
+        <a:scrgbClr r="0" g="0" b="0"/>
+      </a:lnRef>
+      <a:fillRef idx="1">
+        <a:scrgbClr r="0" g="0" b="0"/>
+      </a:fillRef>
+      <a:effectRef idx="0">
+        <a:scrgbClr r="0" g="0" b="0"/>
+      </a:effectRef>
+      <a:fontRef idx="minor">
+        <a:schemeClr val="lt1"/>
+      </a:fontRef>
+    </dgm:style>
+  </dgm:styleLbl>
+  <dgm:styleLbl name="asst1">
+    <dgm:scene3d>
+      <a:camera prst="orthographicFront"/>
+      <a:lightRig rig="threePt" dir="t"/>
+    </dgm:scene3d>
+    <dgm:sp3d/>
+    <dgm:txPr/>
+    <dgm:style>
+      <a:lnRef idx="2">
+        <a:scrgbClr r="0" g="0" b="0"/>
+      </a:lnRef>
+      <a:fillRef idx="1">
+        <a:scrgbClr r="0" g="0" b="0"/>
+      </a:fillRef>
+      <a:effectRef idx="0">
+        <a:scrgbClr r="0" g="0" b="0"/>
+      </a:effectRef>
+      <a:fontRef idx="minor">
+        <a:schemeClr val="lt1"/>
+      </a:fontRef>
+    </dgm:style>
+  </dgm:styleLbl>
+  <dgm:styleLbl name="asst2">
+    <dgm:scene3d>
+      <a:camera prst="orthographicFront"/>
+      <a:lightRig rig="threePt" dir="t"/>
+    </dgm:scene3d>
+    <dgm:sp3d/>
+    <dgm:txPr/>
+    <dgm:style>
+      <a:lnRef idx="2">
+        <a:scrgbClr r="0" g="0" b="0"/>
+      </a:lnRef>
+      <a:fillRef idx="1">
+        <a:scrgbClr r="0" g="0" b="0"/>
+      </a:fillRef>
+      <a:effectRef idx="0">
+        <a:scrgbClr r="0" g="0" b="0"/>
+      </a:effectRef>
+      <a:fontRef idx="minor">
+        <a:schemeClr val="lt1"/>
+      </a:fontRef>
+    </dgm:style>
+  </dgm:styleLbl>
+  <dgm:styleLbl name="asst3">
+    <dgm:scene3d>
+      <a:camera prst="orthographicFront"/>
+      <a:lightRig rig="threePt" dir="t"/>
+    </dgm:scene3d>
+    <dgm:sp3d/>
+    <dgm:txPr/>
+    <dgm:style>
+      <a:lnRef idx="2">
+        <a:scrgbClr r="0" g="0" b="0"/>
+      </a:lnRef>
+      <a:fillRef idx="1">
+        <a:scrgbClr r="0" g="0" b="0"/>
+      </a:fillRef>
+      <a:effectRef idx="0">
+        <a:scrgbClr r="0" g="0" b="0"/>
+      </a:effectRef>
+      <a:fontRef idx="minor">
+        <a:schemeClr val="lt1"/>
+      </a:fontRef>
+    </dgm:style>
+  </dgm:styleLbl>
+  <dgm:styleLbl name="asst4">
+    <dgm:scene3d>
+      <a:camera prst="orthographicFront"/>
+      <a:lightRig rig="threePt" dir="t"/>
+    </dgm:scene3d>
+    <dgm:sp3d/>
+    <dgm:txPr/>
+    <dgm:style>
+      <a:lnRef idx="2">
+        <a:scrgbClr r="0" g="0" b="0"/>
+      </a:lnRef>
+      <a:fillRef idx="1">
+        <a:scrgbClr r="0" g="0" b="0"/>
+      </a:fillRef>
+      <a:effectRef idx="0">
+        <a:scrgbClr r="0" g="0" b="0"/>
+      </a:effectRef>
+      <a:fontRef idx="minor">
+        <a:schemeClr val="lt1"/>
+      </a:fontRef>
+    </dgm:style>
+  </dgm:styleLbl>
+  <dgm:styleLbl name="parChTrans2D1">
+    <dgm:scene3d>
+      <a:camera prst="orthographicFront"/>
+      <a:lightRig rig="threePt" dir="t"/>
+    </dgm:scene3d>
+    <dgm:sp3d/>
+    <dgm:txPr/>
+    <dgm:style>
+      <a:lnRef idx="2">
+        <a:scrgbClr r="0" g="0" b="0"/>
+      </a:lnRef>
+      <a:fillRef idx="1">
+        <a:scrgbClr r="0" g="0" b="0"/>
+      </a:fillRef>
+      <a:effectRef idx="0">
+        <a:scrgbClr r="0" g="0" b="0"/>
+      </a:effectRef>
+      <a:fontRef idx="minor">
+        <a:schemeClr val="lt1"/>
+      </a:fontRef>
+    </dgm:style>
+  </dgm:styleLbl>
+  <dgm:styleLbl name="parChTrans2D2">
+    <dgm:scene3d>
+      <a:camera prst="orthographicFront"/>
+      <a:lightRig rig="threePt" dir="t"/>
+    </dgm:scene3d>
+    <dgm:sp3d/>
+    <dgm:txPr/>
+    <dgm:style>
+      <a:lnRef idx="2">
+        <a:scrgbClr r="0" g="0" b="0"/>
+      </a:lnRef>
+      <a:fillRef idx="1">
+        <a:scrgbClr r="0" g="0" b="0"/>
+      </a:fillRef>
+      <a:effectRef idx="0">
+        <a:scrgbClr r="0" g="0" b="0"/>
+      </a:effectRef>
+      <a:fontRef idx="minor">
+        <a:schemeClr val="lt1"/>
+      </a:fontRef>
+    </dgm:style>
+  </dgm:styleLbl>
+  <dgm:styleLbl name="parChTrans2D3">
+    <dgm:scene3d>
+      <a:camera prst="orthographicFront"/>
+      <a:lightRig rig="threePt" dir="t"/>
+    </dgm:scene3d>
+    <dgm:sp3d/>
+    <dgm:txPr/>
+    <dgm:style>
+      <a:lnRef idx="2">
+        <a:scrgbClr r="0" g="0" b="0"/>
+      </a:lnRef>
+      <a:fillRef idx="1">
+        <a:scrgbClr r="0" g="0" b="0"/>
+      </a:fillRef>
+      <a:effectRef idx="0">
+        <a:scrgbClr r="0" g="0" b="0"/>
+      </a:effectRef>
+      <a:fontRef idx="minor">
+        <a:schemeClr val="lt1"/>
+      </a:fontRef>
+    </dgm:style>
+  </dgm:styleLbl>
+  <dgm:styleLbl name="parChTrans2D4">
+    <dgm:scene3d>
+      <a:camera prst="orthographicFront"/>
+      <a:lightRig rig="threePt" dir="t"/>
+    </dgm:scene3d>
+    <dgm:sp3d/>
+    <dgm:txPr/>
+    <dgm:style>
+      <a:lnRef idx="2">
+        <a:scrgbClr r="0" g="0" b="0"/>
+      </a:lnRef>
+      <a:fillRef idx="1">
+        <a:scrgbClr r="0" g="0" b="0"/>
+      </a:fillRef>
+      <a:effectRef idx="0">
+        <a:scrgbClr r="0" g="0" b="0"/>
+      </a:effectRef>
+      <a:fontRef idx="minor">
+        <a:schemeClr val="lt1"/>
+      </a:fontRef>
+    </dgm:style>
+  </dgm:styleLbl>
+  <dgm:styleLbl name="parChTrans1D1">
+    <dgm:scene3d>
+      <a:camera prst="orthographicFront"/>
+      <a:lightRig rig="threePt" dir="t"/>
+    </dgm:scene3d>
+    <dgm:sp3d/>
+    <dgm:txPr/>
+    <dgm:style>
+      <a:lnRef idx="2">
+        <a:scrgbClr r="0" g="0" b="0"/>
+      </a:lnRef>
+      <a:fillRef idx="0">
+        <a:scrgbClr r="0" g="0" b="0"/>
+      </a:fillRef>
+      <a:effectRef idx="0">
+        <a:scrgbClr r="0" g="0" b="0"/>
+      </a:effectRef>
+      <a:fontRef idx="minor"/>
+    </dgm:style>
+  </dgm:styleLbl>
+  <dgm:styleLbl name="parChTrans1D2">
+    <dgm:scene3d>
+      <a:camera prst="orthographicFront"/>
+      <a:lightRig rig="threePt" dir="t"/>
+    </dgm:scene3d>
+    <dgm:sp3d/>
+    <dgm:txPr/>
+    <dgm:style>
+      <a:lnRef idx="2">
+        <a:scrgbClr r="0" g="0" b="0"/>
+      </a:lnRef>
+      <a:fillRef idx="0">
+        <a:scrgbClr r="0" g="0" b="0"/>
+      </a:fillRef>
+      <a:effectRef idx="0">
+        <a:scrgbClr r="0" g="0" b="0"/>
+      </a:effectRef>
+      <a:fontRef idx="minor"/>
+    </dgm:style>
+  </dgm:styleLbl>
+  <dgm:styleLbl name="parChTrans1D3">
+    <dgm:scene3d>
+      <a:camera prst="orthographicFront"/>
+      <a:lightRig rig="threePt" dir="t"/>
+    </dgm:scene3d>
+    <dgm:sp3d/>
+    <dgm:txPr/>
+    <dgm:style>
+      <a:lnRef idx="2">
+        <a:scrgbClr r="0" g="0" b="0"/>
+      </a:lnRef>
+      <a:fillRef idx="0">
+        <a:scrgbClr r="0" g="0" b="0"/>
+      </a:fillRef>
+      <a:effectRef idx="0">
+        <a:scrgbClr r="0" g="0" b="0"/>
+      </a:effectRef>
+      <a:fontRef idx="minor"/>
+    </dgm:style>
+  </dgm:styleLbl>
+  <dgm:styleLbl name="parChTrans1D4">
+    <dgm:scene3d>
+      <a:camera prst="orthographicFront"/>
+      <a:lightRig rig="threePt" dir="t"/>
+    </dgm:scene3d>
+    <dgm:sp3d/>
+    <dgm:txPr/>
+    <dgm:style>
+      <a:lnRef idx="2">
+        <a:scrgbClr r="0" g="0" b="0"/>
+      </a:lnRef>
+      <a:fillRef idx="0">
+        <a:scrgbClr r="0" g="0" b="0"/>
+      </a:fillRef>
+      <a:effectRef idx="0">
+        <a:scrgbClr r="0" g="0" b="0"/>
+      </a:effectRef>
+      <a:fontRef idx="minor"/>
+    </dgm:style>
+  </dgm:styleLbl>
+  <dgm:styleLbl name="fgAcc1">
+    <dgm:scene3d>
+      <a:camera prst="orthographicFront"/>
+      <a:lightRig rig="threePt" dir="t"/>
+    </dgm:scene3d>
+    <dgm:sp3d/>
+    <dgm:txPr/>
+    <dgm:style>
+      <a:lnRef idx="2">
+        <a:scrgbClr r="0" g="0" b="0"/>
+      </a:lnRef>
+      <a:fillRef idx="1">
+        <a:scrgbClr r="0" g="0" b="0"/>
+      </a:fillRef>
+      <a:effectRef idx="0">
+        <a:scrgbClr r="0" g="0" b="0"/>
+      </a:effectRef>
+      <a:fontRef idx="minor"/>
+    </dgm:style>
+  </dgm:styleLbl>
+  <dgm:styleLbl name="conFgAcc1">
+    <dgm:scene3d>
+      <a:camera prst="orthographicFront"/>
+      <a:lightRig rig="threePt" dir="t"/>
+    </dgm:scene3d>
+    <dgm:sp3d/>
+    <dgm:txPr/>
+    <dgm:style>
+      <a:lnRef idx="2">
+        <a:scrgbClr r="0" g="0" b="0"/>
+      </a:lnRef>
+      <a:fillRef idx="1">
+        <a:scrgbClr r="0" g="0" b="0"/>
+      </a:fillRef>
+      <a:effectRef idx="0">
+        <a:scrgbClr r="0" g="0" b="0"/>
+      </a:effectRef>
+      <a:fontRef idx="minor"/>
+    </dgm:style>
+  </dgm:styleLbl>
+  <dgm:styleLbl name="alignAcc1">
+    <dgm:scene3d>
+      <a:camera prst="orthographicFront"/>
+      <a:lightRig rig="threePt" dir="t"/>
+    </dgm:scene3d>
+    <dgm:sp3d/>
+    <dgm:txPr/>
+    <dgm:style>
+      <a:lnRef idx="2">
+        <a:scrgbClr r="0" g="0" b="0"/>
+      </a:lnRef>
+      <a:fillRef idx="1">
+        <a:scrgbClr r="0" g="0" b="0"/>
+      </a:fillRef>
+      <a:effectRef idx="0">
+        <a:scrgbClr r="0" g="0" b="0"/>
+      </a:effectRef>
+      <a:fontRef idx="minor"/>
+    </dgm:style>
+  </dgm:styleLbl>
+  <dgm:styleLbl name="trAlignAcc1">
+    <dgm:scene3d>
+      <a:camera prst="orthographicFront"/>
+      <a:lightRig rig="threePt" dir="t"/>
+    </dgm:scene3d>
+    <dgm:sp3d/>
+    <dgm:txPr/>
+    <dgm:style>
+      <a:lnRef idx="1">
+        <a:scrgbClr r="0" g="0" b="0"/>
+      </a:lnRef>
+      <a:fillRef idx="1">
+        <a:scrgbClr r="0" g="0" b="0"/>
+      </a:fillRef>
+      <a:effectRef idx="0">
+        <a:scrgbClr r="0" g="0" b="0"/>
+      </a:effectRef>
+      <a:fontRef idx="minor"/>
+    </dgm:style>
+  </dgm:styleLbl>
+  <dgm:styleLbl name="bgAcc1">
+    <dgm:scene3d>
+      <a:camera prst="orthographicFront"/>
+      <a:lightRig rig="threePt" dir="t"/>
+    </dgm:scene3d>
+    <dgm:sp3d/>
+    <dgm:txPr/>
+    <dgm:style>
+      <a:lnRef idx="2">
+        <a:scrgbClr r="0" g="0" b="0"/>
+      </a:lnRef>
+      <a:fillRef idx="1">
+        <a:scrgbClr r="0" g="0" b="0"/>
+      </a:fillRef>
+      <a:effectRef idx="0">
+        <a:scrgbClr r="0" g="0" b="0"/>
+      </a:effectRef>
+      <a:fontRef idx="minor"/>
+    </dgm:style>
+  </dgm:styleLbl>
+  <dgm:styleLbl name="solidFgAcc1">
+    <dgm:scene3d>
+      <a:camera prst="orthographicFront"/>
+      <a:lightRig rig="threePt" dir="t"/>
+    </dgm:scene3d>
+    <dgm:sp3d/>
+    <dgm:txPr/>
+    <dgm:style>
+      <a:lnRef idx="2">
+        <a:scrgbClr r="0" g="0" b="0"/>
+      </a:lnRef>
+      <a:fillRef idx="1">
+        <a:scrgbClr r="0" g="0" b="0"/>
+      </a:fillRef>
+      <a:effectRef idx="0">
+        <a:scrgbClr r="0" g="0" b="0"/>
+      </a:effectRef>
+      <a:fontRef idx="minor"/>
+    </dgm:style>
+  </dgm:styleLbl>
+  <dgm:styleLbl name="solidAlignAcc1">
+    <dgm:scene3d>
+      <a:camera prst="orthographicFront"/>
+      <a:lightRig rig="threePt" dir="t"/>
+    </dgm:scene3d>
+    <dgm:sp3d/>
+    <dgm:txPr/>
+    <dgm:style>
+      <a:lnRef idx="2">
+        <a:scrgbClr r="0" g="0" b="0"/>
+      </a:lnRef>
+      <a:fillRef idx="1">
+        <a:scrgbClr r="0" g="0" b="0"/>
+      </a:fillRef>
+      <a:effectRef idx="0">
+        <a:scrgbClr r="0" g="0" b="0"/>
+      </a:effectRef>
+      <a:fontRef idx="minor"/>
+    </dgm:style>
+  </dgm:styleLbl>
+  <dgm:styleLbl name="solidBgAcc1">
+    <dgm:scene3d>
+      <a:camera prst="orthographicFront"/>
+      <a:lightRig rig="threePt" dir="t"/>
+    </dgm:scene3d>
+    <dgm:sp3d/>
+    <dgm:txPr/>
+    <dgm:style>
+      <a:lnRef idx="2">
+        <a:scrgbClr r="0" g="0" b="0"/>
+      </a:lnRef>
+      <a:fillRef idx="1">
+        <a:scrgbClr r="0" g="0" b="0"/>
+      </a:fillRef>
+      <a:effectRef idx="0">
+        <a:scrgbClr r="0" g="0" b="0"/>
+      </a:effectRef>
+      <a:fontRef idx="minor"/>
+    </dgm:style>
+  </dgm:styleLbl>
+  <dgm:styleLbl name="fgAccFollowNode1">
+    <dgm:scene3d>
+      <a:camera prst="orthographicFront"/>
+      <a:lightRig rig="threePt" dir="t"/>
+    </dgm:scene3d>
+    <dgm:sp3d/>
+    <dgm:txPr/>
+    <dgm:style>
+      <a:lnRef idx="2">
+        <a:scrgbClr r="0" g="0" b="0"/>
+      </a:lnRef>
+      <a:fillRef idx="1">
+        <a:scrgbClr r="0" g="0" b="0"/>
+      </a:fillRef>
+      <a:effectRef idx="0">
+        <a:scrgbClr r="0" g="0" b="0"/>
+      </a:effectRef>
+      <a:fontRef idx="minor"/>
+    </dgm:style>
+  </dgm:styleLbl>
+  <dgm:styleLbl name="alignAccFollowNode1">
+    <dgm:scene3d>
+      <a:camera prst="orthographicFront"/>
+      <a:lightRig rig="threePt" dir="t"/>
+    </dgm:scene3d>
+    <dgm:sp3d/>
+    <dgm:txPr/>
+    <dgm:style>
+      <a:lnRef idx="2">
+        <a:scrgbClr r="0" g="0" b="0"/>
+      </a:lnRef>
+      <a:fillRef idx="1">
+        <a:scrgbClr r="0" g="0" b="0"/>
+      </a:fillRef>
+      <a:effectRef idx="0">
+        <a:scrgbClr r="0" g="0" b="0"/>
+      </a:effectRef>
+      <a:fontRef idx="minor"/>
+    </dgm:style>
+  </dgm:styleLbl>
+  <dgm:styleLbl name="bgAccFollowNode1">
+    <dgm:scene3d>
+      <a:camera prst="orthographicFront"/>
+      <a:lightRig rig="threePt" dir="t"/>
+    </dgm:scene3d>
+    <dgm:sp3d/>
+    <dgm:txPr/>
+    <dgm:style>
+      <a:lnRef idx="2">
+        <a:scrgbClr r="0" g="0" b="0"/>
+      </a:lnRef>
+      <a:fillRef idx="1">
+        <a:scrgbClr r="0" g="0" b="0"/>
+      </a:fillRef>
+      <a:effectRef idx="0">
+        <a:scrgbClr r="0" g="0" b="0"/>
+      </a:effectRef>
+      <a:fontRef idx="minor"/>
+    </dgm:style>
+  </dgm:styleLbl>
+  <dgm:styleLbl name="fgAcc0">
+    <dgm:scene3d>
+      <a:camera prst="orthographicFront"/>
+      <a:lightRig rig="threePt" dir="t"/>
+    </dgm:scene3d>
+    <dgm:sp3d/>
+    <dgm:txPr/>
+    <dgm:style>
+      <a:lnRef idx="2">
+        <a:scrgbClr r="0" g="0" b="0"/>
+      </a:lnRef>
+      <a:fillRef idx="1">
+        <a:scrgbClr r="0" g="0" b="0"/>
+      </a:fillRef>
+      <a:effectRef idx="0">
+        <a:scrgbClr r="0" g="0" b="0"/>
+      </a:effectRef>
+      <a:fontRef idx="minor"/>
+    </dgm:style>
+  </dgm:styleLbl>
+  <dgm:styleLbl name="fgAcc2">
+    <dgm:scene3d>
+      <a:camera prst="orthographicFront"/>
+      <a:lightRig rig="threePt" dir="t"/>
+    </dgm:scene3d>
+    <dgm:sp3d/>
+    <dgm:txPr/>
+    <dgm:style>
+      <a:lnRef idx="2">
+        <a:scrgbClr r="0" g="0" b="0"/>
+      </a:lnRef>
+      <a:fillRef idx="1">
+        <a:scrgbClr r="0" g="0" b="0"/>
+      </a:fillRef>
+      <a:effectRef idx="0">
+        <a:scrgbClr r="0" g="0" b="0"/>
+      </a:effectRef>
+      <a:fontRef idx="minor"/>
+    </dgm:style>
+  </dgm:styleLbl>
+  <dgm:styleLbl name="fgAcc3">
+    <dgm:scene3d>
+      <a:camera prst="orthographicFront"/>
+      <a:lightRig rig="threePt" dir="t"/>
+    </dgm:scene3d>
+    <dgm:sp3d/>
+    <dgm:txPr/>
+    <dgm:style>
+      <a:lnRef idx="2">
+        <a:scrgbClr r="0" g="0" b="0"/>
+      </a:lnRef>
+      <a:fillRef idx="1">
+        <a:scrgbClr r="0" g="0" b="0"/>
+      </a:fillRef>
+      <a:effectRef idx="0">
+        <a:scrgbClr r="0" g="0" b="0"/>
+      </a:effectRef>
+      <a:fontRef idx="minor"/>
+    </dgm:style>
+  </dgm:styleLbl>
+  <dgm:styleLbl name="fgAcc4">
+    <dgm:scene3d>
+      <a:camera prst="orthographicFront"/>
+      <a:lightRig rig="threePt" dir="t"/>
+    </dgm:scene3d>
+    <dgm:sp3d/>
+    <dgm:txPr/>
+    <dgm:style>
+      <a:lnRef idx="2">
+        <a:scrgbClr r="0" g="0" b="0"/>
+      </a:lnRef>
+      <a:fillRef idx="1">
+        <a:scrgbClr r="0" g="0" b="0"/>
+      </a:fillRef>
+      <a:effectRef idx="0">
+        <a:scrgbClr r="0" g="0" b="0"/>
+      </a:effectRef>
+      <a:fontRef idx="minor"/>
+    </dgm:style>
+  </dgm:styleLbl>
+  <dgm:styleLbl name="bgShp">
+    <dgm:scene3d>
+      <a:camera prst="orthographicFront"/>
+      <a:lightRig rig="threePt" dir="t"/>
+    </dgm:scene3d>
+    <dgm:sp3d/>
+    <dgm:txPr/>
+    <dgm:style>
+      <a:lnRef idx="0">
+        <a:scrgbClr r="0" g="0" b="0"/>
+      </a:lnRef>
+      <a:fillRef idx="1">
+        <a:scrgbClr r="0" g="0" b="0"/>
+      </a:fillRef>
+      <a:effectRef idx="0">
+        <a:scrgbClr r="0" g="0" b="0"/>
+      </a:effectRef>
+      <a:fontRef idx="minor"/>
+    </dgm:style>
+  </dgm:styleLbl>
+  <dgm:styleLbl name="dkBgShp">
+    <dgm:scene3d>
+      <a:camera prst="orthographicFront"/>
+      <a:lightRig rig="threePt" dir="t"/>
+    </dgm:scene3d>
+    <dgm:sp3d/>
+    <dgm:txPr/>
+    <dgm:style>
+      <a:lnRef idx="0">
+        <a:scrgbClr r="0" g="0" b="0"/>
+      </a:lnRef>
+      <a:fillRef idx="1">
+        <a:scrgbClr r="0" g="0" b="0"/>
+      </a:fillRef>
+      <a:effectRef idx="0">
+        <a:scrgbClr r="0" g="0" b="0"/>
+      </a:effectRef>
+      <a:fontRef idx="minor"/>
+    </dgm:style>
+  </dgm:styleLbl>
+  <dgm:styleLbl name="trBgShp">
+    <dgm:scene3d>
+      <a:camera prst="orthographicFront"/>
+      <a:lightRig rig="threePt" dir="t"/>
+    </dgm:scene3d>
+    <dgm:sp3d/>
+    <dgm:txPr/>
+    <dgm:style>
+      <a:lnRef idx="0">
+        <a:scrgbClr r="0" g="0" b="0"/>
+      </a:lnRef>
+      <a:fillRef idx="1">
+        <a:scrgbClr r="0" g="0" b="0"/>
+      </a:fillRef>
+      <a:effectRef idx="0">
+        <a:scrgbClr r="0" g="0" b="0"/>
+      </a:effectRef>
+      <a:fontRef idx="minor"/>
+    </dgm:style>
+  </dgm:styleLbl>
+  <dgm:styleLbl name="fgShp">
+    <dgm:scene3d>
+      <a:camera prst="orthographicFront"/>
+      <a:lightRig rig="threePt" dir="t"/>
+    </dgm:scene3d>
+    <dgm:sp3d/>
+    <dgm:txPr/>
+    <dgm:style>
+      <a:lnRef idx="2">
+        <a:scrgbClr r="0" g="0" b="0"/>
+      </a:lnRef>
+      <a:fillRef idx="1">
+        <a:scrgbClr r="0" g="0" b="0"/>
+      </a:fillRef>
+      <a:effectRef idx="0">
+        <a:scrgbClr r="0" g="0" b="0"/>
+      </a:effectRef>
+      <a:fontRef idx="minor"/>
+    </dgm:style>
+  </dgm:styleLbl>
+  <dgm:styleLbl name="revTx">
+    <dgm:scene3d>
+      <a:camera prst="orthographicFront"/>
+      <a:lightRig rig="threePt" dir="t"/>
+    </dgm:scene3d>
+    <dgm:sp3d/>
+    <dgm:txPr/>
+    <dgm:style>
+      <a:lnRef idx="0">
+        <a:scrgbClr r="0" g="0" b="0"/>
+      </a:lnRef>
+      <a:fillRef idx="0">
+        <a:scrgbClr r="0" g="0" b="0"/>
+      </a:fillRef>
+      <a:effectRef idx="0">
+        <a:scrgbClr r="0" g="0" b="0"/>
+      </a:effectRef>
+      <a:fontRef idx="minor"/>
+    </dgm:style>
+  </dgm:styleLbl>
+</dgm:styleDef>
+</file>
+
+<file path=ppt/diagrams/quickStyle2.xml><?xml version="1.0" encoding="utf-8"?>
 <dgm:styleDef xmlns:dgm="http://schemas.openxmlformats.org/drawingml/2006/diagram" xmlns:a="http://schemas.openxmlformats.org/drawingml/2006/main" uniqueId="urn:microsoft.com/office/officeart/2005/8/quickstyle/simple1">
   <dgm:title val=""/>
   <dgm:desc val=""/>
@@ -3391,10 +5907,9 @@
           </a:lstStyle>
           <a:p>
             <a:r>
-              <a:rPr lang="zh-TW" altLang="en-US" smtClean="0"/>
+              <a:rPr lang="zh-TW" altLang="en-US"/>
               <a:t>按一下以編輯母片標題樣式</a:t>
             </a:r>
-            <a:endParaRPr lang="zh-TW" altLang="en-US"/>
           </a:p>
         </p:txBody>
       </p:sp>
@@ -3456,10 +5971,9 @@
           </a:lstStyle>
           <a:p>
             <a:r>
-              <a:rPr lang="zh-TW" altLang="en-US" smtClean="0"/>
+              <a:rPr lang="zh-TW" altLang="en-US"/>
               <a:t>按一下以編輯母片副標題樣式</a:t>
             </a:r>
-            <a:endParaRPr lang="zh-TW" altLang="en-US"/>
           </a:p>
         </p:txBody>
       </p:sp>
@@ -3480,7 +5994,7 @@
           <a:p>
             <a:fld id="{64BD6DA8-F156-4E77-8B06-9BE776753821}" type="datetimeFigureOut">
               <a:rPr lang="zh-TW" altLang="en-US" smtClean="0"/>
-              <a:t>2017/7/7</a:t>
+              <a:t>2017/7/21</a:t>
             </a:fld>
             <a:endParaRPr lang="zh-TW" altLang="en-US"/>
           </a:p>
@@ -3574,10 +6088,9 @@
           <a:lstStyle/>
           <a:p>
             <a:r>
-              <a:rPr lang="zh-TW" altLang="en-US" smtClean="0"/>
+              <a:rPr lang="zh-TW" altLang="en-US"/>
               <a:t>按一下以編輯母片標題樣式</a:t>
             </a:r>
-            <a:endParaRPr lang="zh-TW" altLang="en-US"/>
           </a:p>
         </p:txBody>
       </p:sp>
@@ -3598,38 +6111,37 @@
           <a:p>
             <a:pPr lvl="0"/>
             <a:r>
-              <a:rPr lang="zh-TW" altLang="en-US" smtClean="0"/>
+              <a:rPr lang="zh-TW" altLang="en-US"/>
               <a:t>按一下以編輯母片文字樣式</a:t>
             </a:r>
           </a:p>
           <a:p>
             <a:pPr lvl="1"/>
             <a:r>
-              <a:rPr lang="zh-TW" altLang="en-US" smtClean="0"/>
+              <a:rPr lang="zh-TW" altLang="en-US"/>
               <a:t>第二層</a:t>
             </a:r>
           </a:p>
           <a:p>
             <a:pPr lvl="2"/>
             <a:r>
-              <a:rPr lang="zh-TW" altLang="en-US" smtClean="0"/>
+              <a:rPr lang="zh-TW" altLang="en-US"/>
               <a:t>第三層</a:t>
             </a:r>
           </a:p>
           <a:p>
             <a:pPr lvl="3"/>
             <a:r>
-              <a:rPr lang="zh-TW" altLang="en-US" smtClean="0"/>
+              <a:rPr lang="zh-TW" altLang="en-US"/>
               <a:t>第四層</a:t>
             </a:r>
           </a:p>
           <a:p>
             <a:pPr lvl="4"/>
             <a:r>
-              <a:rPr lang="zh-TW" altLang="en-US" smtClean="0"/>
+              <a:rPr lang="zh-TW" altLang="en-US"/>
               <a:t>第五層</a:t>
             </a:r>
-            <a:endParaRPr lang="zh-TW" altLang="en-US"/>
           </a:p>
         </p:txBody>
       </p:sp>
@@ -3650,7 +6162,7 @@
           <a:p>
             <a:fld id="{64BD6DA8-F156-4E77-8B06-9BE776753821}" type="datetimeFigureOut">
               <a:rPr lang="zh-TW" altLang="en-US" smtClean="0"/>
-              <a:t>2017/7/7</a:t>
+              <a:t>2017/7/21</a:t>
             </a:fld>
             <a:endParaRPr lang="zh-TW" altLang="en-US"/>
           </a:p>
@@ -3749,10 +6261,9 @@
           <a:lstStyle/>
           <a:p>
             <a:r>
-              <a:rPr lang="zh-TW" altLang="en-US" smtClean="0"/>
+              <a:rPr lang="zh-TW" altLang="en-US"/>
               <a:t>按一下以編輯母片標題樣式</a:t>
             </a:r>
-            <a:endParaRPr lang="zh-TW" altLang="en-US"/>
           </a:p>
         </p:txBody>
       </p:sp>
@@ -3778,38 +6289,37 @@
           <a:p>
             <a:pPr lvl="0"/>
             <a:r>
-              <a:rPr lang="zh-TW" altLang="en-US" smtClean="0"/>
+              <a:rPr lang="zh-TW" altLang="en-US"/>
               <a:t>按一下以編輯母片文字樣式</a:t>
             </a:r>
           </a:p>
           <a:p>
             <a:pPr lvl="1"/>
             <a:r>
-              <a:rPr lang="zh-TW" altLang="en-US" smtClean="0"/>
+              <a:rPr lang="zh-TW" altLang="en-US"/>
               <a:t>第二層</a:t>
             </a:r>
           </a:p>
           <a:p>
             <a:pPr lvl="2"/>
             <a:r>
-              <a:rPr lang="zh-TW" altLang="en-US" smtClean="0"/>
+              <a:rPr lang="zh-TW" altLang="en-US"/>
               <a:t>第三層</a:t>
             </a:r>
           </a:p>
           <a:p>
             <a:pPr lvl="3"/>
             <a:r>
-              <a:rPr lang="zh-TW" altLang="en-US" smtClean="0"/>
+              <a:rPr lang="zh-TW" altLang="en-US"/>
               <a:t>第四層</a:t>
             </a:r>
           </a:p>
           <a:p>
             <a:pPr lvl="4"/>
             <a:r>
-              <a:rPr lang="zh-TW" altLang="en-US" smtClean="0"/>
+              <a:rPr lang="zh-TW" altLang="en-US"/>
               <a:t>第五層</a:t>
             </a:r>
-            <a:endParaRPr lang="zh-TW" altLang="en-US"/>
           </a:p>
         </p:txBody>
       </p:sp>
@@ -3830,7 +6340,7 @@
           <a:p>
             <a:fld id="{64BD6DA8-F156-4E77-8B06-9BE776753821}" type="datetimeFigureOut">
               <a:rPr lang="zh-TW" altLang="en-US" smtClean="0"/>
-              <a:t>2017/7/7</a:t>
+              <a:t>2017/7/21</a:t>
             </a:fld>
             <a:endParaRPr lang="zh-TW" altLang="en-US"/>
           </a:p>
@@ -3924,10 +6434,9 @@
           <a:lstStyle/>
           <a:p>
             <a:r>
-              <a:rPr lang="zh-TW" altLang="en-US" smtClean="0"/>
+              <a:rPr lang="zh-TW" altLang="en-US"/>
               <a:t>按一下以編輯母片標題樣式</a:t>
             </a:r>
-            <a:endParaRPr lang="zh-TW" altLang="en-US"/>
           </a:p>
         </p:txBody>
       </p:sp>
@@ -3948,38 +6457,37 @@
           <a:p>
             <a:pPr lvl="0"/>
             <a:r>
-              <a:rPr lang="zh-TW" altLang="en-US" smtClean="0"/>
+              <a:rPr lang="zh-TW" altLang="en-US"/>
               <a:t>按一下以編輯母片文字樣式</a:t>
             </a:r>
           </a:p>
           <a:p>
             <a:pPr lvl="1"/>
             <a:r>
-              <a:rPr lang="zh-TW" altLang="en-US" smtClean="0"/>
+              <a:rPr lang="zh-TW" altLang="en-US"/>
               <a:t>第二層</a:t>
             </a:r>
           </a:p>
           <a:p>
             <a:pPr lvl="2"/>
             <a:r>
-              <a:rPr lang="zh-TW" altLang="en-US" smtClean="0"/>
+              <a:rPr lang="zh-TW" altLang="en-US"/>
               <a:t>第三層</a:t>
             </a:r>
           </a:p>
           <a:p>
             <a:pPr lvl="3"/>
             <a:r>
-              <a:rPr lang="zh-TW" altLang="en-US" smtClean="0"/>
+              <a:rPr lang="zh-TW" altLang="en-US"/>
               <a:t>第四層</a:t>
             </a:r>
           </a:p>
           <a:p>
             <a:pPr lvl="4"/>
             <a:r>
-              <a:rPr lang="zh-TW" altLang="en-US" smtClean="0"/>
+              <a:rPr lang="zh-TW" altLang="en-US"/>
               <a:t>第五層</a:t>
             </a:r>
-            <a:endParaRPr lang="zh-TW" altLang="en-US"/>
           </a:p>
         </p:txBody>
       </p:sp>
@@ -4000,7 +6508,7 @@
           <a:p>
             <a:fld id="{64BD6DA8-F156-4E77-8B06-9BE776753821}" type="datetimeFigureOut">
               <a:rPr lang="zh-TW" altLang="en-US" smtClean="0"/>
-              <a:t>2017/7/7</a:t>
+              <a:t>2017/7/21</a:t>
             </a:fld>
             <a:endParaRPr lang="zh-TW" altLang="en-US"/>
           </a:p>
@@ -4103,10 +6611,9 @@
           </a:lstStyle>
           <a:p>
             <a:r>
-              <a:rPr lang="zh-TW" altLang="en-US" smtClean="0"/>
+              <a:rPr lang="zh-TW" altLang="en-US"/>
               <a:t>按一下以編輯母片標題樣式</a:t>
             </a:r>
-            <a:endParaRPr lang="zh-TW" altLang="en-US"/>
           </a:p>
         </p:txBody>
       </p:sp>
@@ -4223,7 +6730,7 @@
           <a:p>
             <a:pPr lvl="0"/>
             <a:r>
-              <a:rPr lang="zh-TW" altLang="en-US" smtClean="0"/>
+              <a:rPr lang="zh-TW" altLang="en-US"/>
               <a:t>按一下以編輯母片文字樣式</a:t>
             </a:r>
           </a:p>
@@ -4246,7 +6753,7 @@
           <a:p>
             <a:fld id="{64BD6DA8-F156-4E77-8B06-9BE776753821}" type="datetimeFigureOut">
               <a:rPr lang="zh-TW" altLang="en-US" smtClean="0"/>
-              <a:t>2017/7/7</a:t>
+              <a:t>2017/7/21</a:t>
             </a:fld>
             <a:endParaRPr lang="zh-TW" altLang="en-US"/>
           </a:p>
@@ -4340,10 +6847,9 @@
           <a:lstStyle/>
           <a:p>
             <a:r>
-              <a:rPr lang="zh-TW" altLang="en-US" smtClean="0"/>
+              <a:rPr lang="zh-TW" altLang="en-US"/>
               <a:t>按一下以編輯母片標題樣式</a:t>
             </a:r>
-            <a:endParaRPr lang="zh-TW" altLang="en-US"/>
           </a:p>
         </p:txBody>
       </p:sp>
@@ -4369,38 +6875,37 @@
           <a:p>
             <a:pPr lvl="0"/>
             <a:r>
-              <a:rPr lang="zh-TW" altLang="en-US" smtClean="0"/>
+              <a:rPr lang="zh-TW" altLang="en-US"/>
               <a:t>按一下以編輯母片文字樣式</a:t>
             </a:r>
           </a:p>
           <a:p>
             <a:pPr lvl="1"/>
             <a:r>
-              <a:rPr lang="zh-TW" altLang="en-US" smtClean="0"/>
+              <a:rPr lang="zh-TW" altLang="en-US"/>
               <a:t>第二層</a:t>
             </a:r>
           </a:p>
           <a:p>
             <a:pPr lvl="2"/>
             <a:r>
-              <a:rPr lang="zh-TW" altLang="en-US" smtClean="0"/>
+              <a:rPr lang="zh-TW" altLang="en-US"/>
               <a:t>第三層</a:t>
             </a:r>
           </a:p>
           <a:p>
             <a:pPr lvl="3"/>
             <a:r>
-              <a:rPr lang="zh-TW" altLang="en-US" smtClean="0"/>
+              <a:rPr lang="zh-TW" altLang="en-US"/>
               <a:t>第四層</a:t>
             </a:r>
           </a:p>
           <a:p>
             <a:pPr lvl="4"/>
             <a:r>
-              <a:rPr lang="zh-TW" altLang="en-US" smtClean="0"/>
+              <a:rPr lang="zh-TW" altLang="en-US"/>
               <a:t>第五層</a:t>
             </a:r>
-            <a:endParaRPr lang="zh-TW" altLang="en-US"/>
           </a:p>
         </p:txBody>
       </p:sp>
@@ -4426,38 +6931,37 @@
           <a:p>
             <a:pPr lvl="0"/>
             <a:r>
-              <a:rPr lang="zh-TW" altLang="en-US" smtClean="0"/>
+              <a:rPr lang="zh-TW" altLang="en-US"/>
               <a:t>按一下以編輯母片文字樣式</a:t>
             </a:r>
           </a:p>
           <a:p>
             <a:pPr lvl="1"/>
             <a:r>
-              <a:rPr lang="zh-TW" altLang="en-US" smtClean="0"/>
+              <a:rPr lang="zh-TW" altLang="en-US"/>
               <a:t>第二層</a:t>
             </a:r>
           </a:p>
           <a:p>
             <a:pPr lvl="2"/>
             <a:r>
-              <a:rPr lang="zh-TW" altLang="en-US" smtClean="0"/>
+              <a:rPr lang="zh-TW" altLang="en-US"/>
               <a:t>第三層</a:t>
             </a:r>
           </a:p>
           <a:p>
             <a:pPr lvl="3"/>
             <a:r>
-              <a:rPr lang="zh-TW" altLang="en-US" smtClean="0"/>
+              <a:rPr lang="zh-TW" altLang="en-US"/>
               <a:t>第四層</a:t>
             </a:r>
           </a:p>
           <a:p>
             <a:pPr lvl="4"/>
             <a:r>
-              <a:rPr lang="zh-TW" altLang="en-US" smtClean="0"/>
+              <a:rPr lang="zh-TW" altLang="en-US"/>
               <a:t>第五層</a:t>
             </a:r>
-            <a:endParaRPr lang="zh-TW" altLang="en-US"/>
           </a:p>
         </p:txBody>
       </p:sp>
@@ -4478,7 +6982,7 @@
           <a:p>
             <a:fld id="{64BD6DA8-F156-4E77-8B06-9BE776753821}" type="datetimeFigureOut">
               <a:rPr lang="zh-TW" altLang="en-US" smtClean="0"/>
-              <a:t>2017/7/7</a:t>
+              <a:t>2017/7/21</a:t>
             </a:fld>
             <a:endParaRPr lang="zh-TW" altLang="en-US"/>
           </a:p>
@@ -4577,10 +7081,9 @@
           <a:lstStyle/>
           <a:p>
             <a:r>
-              <a:rPr lang="zh-TW" altLang="en-US" smtClean="0"/>
+              <a:rPr lang="zh-TW" altLang="en-US"/>
               <a:t>按一下以編輯母片標題樣式</a:t>
             </a:r>
-            <a:endParaRPr lang="zh-TW" altLang="en-US"/>
           </a:p>
         </p:txBody>
       </p:sp>
@@ -4643,7 +7146,7 @@
           <a:p>
             <a:pPr lvl="0"/>
             <a:r>
-              <a:rPr lang="zh-TW" altLang="en-US" smtClean="0"/>
+              <a:rPr lang="zh-TW" altLang="en-US"/>
               <a:t>按一下以編輯母片文字樣式</a:t>
             </a:r>
           </a:p>
@@ -4671,38 +7174,37 @@
           <a:p>
             <a:pPr lvl="0"/>
             <a:r>
-              <a:rPr lang="zh-TW" altLang="en-US" smtClean="0"/>
+              <a:rPr lang="zh-TW" altLang="en-US"/>
               <a:t>按一下以編輯母片文字樣式</a:t>
             </a:r>
           </a:p>
           <a:p>
             <a:pPr lvl="1"/>
             <a:r>
-              <a:rPr lang="zh-TW" altLang="en-US" smtClean="0"/>
+              <a:rPr lang="zh-TW" altLang="en-US"/>
               <a:t>第二層</a:t>
             </a:r>
           </a:p>
           <a:p>
             <a:pPr lvl="2"/>
             <a:r>
-              <a:rPr lang="zh-TW" altLang="en-US" smtClean="0"/>
+              <a:rPr lang="zh-TW" altLang="en-US"/>
               <a:t>第三層</a:t>
             </a:r>
           </a:p>
           <a:p>
             <a:pPr lvl="3"/>
             <a:r>
-              <a:rPr lang="zh-TW" altLang="en-US" smtClean="0"/>
+              <a:rPr lang="zh-TW" altLang="en-US"/>
               <a:t>第四層</a:t>
             </a:r>
           </a:p>
           <a:p>
             <a:pPr lvl="4"/>
             <a:r>
-              <a:rPr lang="zh-TW" altLang="en-US" smtClean="0"/>
+              <a:rPr lang="zh-TW" altLang="en-US"/>
               <a:t>第五層</a:t>
             </a:r>
-            <a:endParaRPr lang="zh-TW" altLang="en-US"/>
           </a:p>
         </p:txBody>
       </p:sp>
@@ -4765,7 +7267,7 @@
           <a:p>
             <a:pPr lvl="0"/>
             <a:r>
-              <a:rPr lang="zh-TW" altLang="en-US" smtClean="0"/>
+              <a:rPr lang="zh-TW" altLang="en-US"/>
               <a:t>按一下以編輯母片文字樣式</a:t>
             </a:r>
           </a:p>
@@ -4793,38 +7295,37 @@
           <a:p>
             <a:pPr lvl="0"/>
             <a:r>
-              <a:rPr lang="zh-TW" altLang="en-US" smtClean="0"/>
+              <a:rPr lang="zh-TW" altLang="en-US"/>
               <a:t>按一下以編輯母片文字樣式</a:t>
             </a:r>
           </a:p>
           <a:p>
             <a:pPr lvl="1"/>
             <a:r>
-              <a:rPr lang="zh-TW" altLang="en-US" smtClean="0"/>
+              <a:rPr lang="zh-TW" altLang="en-US"/>
               <a:t>第二層</a:t>
             </a:r>
           </a:p>
           <a:p>
             <a:pPr lvl="2"/>
             <a:r>
-              <a:rPr lang="zh-TW" altLang="en-US" smtClean="0"/>
+              <a:rPr lang="zh-TW" altLang="en-US"/>
               <a:t>第三層</a:t>
             </a:r>
           </a:p>
           <a:p>
             <a:pPr lvl="3"/>
             <a:r>
-              <a:rPr lang="zh-TW" altLang="en-US" smtClean="0"/>
+              <a:rPr lang="zh-TW" altLang="en-US"/>
               <a:t>第四層</a:t>
             </a:r>
           </a:p>
           <a:p>
             <a:pPr lvl="4"/>
             <a:r>
-              <a:rPr lang="zh-TW" altLang="en-US" smtClean="0"/>
+              <a:rPr lang="zh-TW" altLang="en-US"/>
               <a:t>第五層</a:t>
             </a:r>
-            <a:endParaRPr lang="zh-TW" altLang="en-US"/>
           </a:p>
         </p:txBody>
       </p:sp>
@@ -4845,7 +7346,7 @@
           <a:p>
             <a:fld id="{64BD6DA8-F156-4E77-8B06-9BE776753821}" type="datetimeFigureOut">
               <a:rPr lang="zh-TW" altLang="en-US" smtClean="0"/>
-              <a:t>2017/7/7</a:t>
+              <a:t>2017/7/21</a:t>
             </a:fld>
             <a:endParaRPr lang="zh-TW" altLang="en-US"/>
           </a:p>
@@ -4939,10 +7440,9 @@
           <a:lstStyle/>
           <a:p>
             <a:r>
-              <a:rPr lang="zh-TW" altLang="en-US" smtClean="0"/>
+              <a:rPr lang="zh-TW" altLang="en-US"/>
               <a:t>按一下以編輯母片標題樣式</a:t>
             </a:r>
-            <a:endParaRPr lang="zh-TW" altLang="en-US"/>
           </a:p>
         </p:txBody>
       </p:sp>
@@ -4963,7 +7463,7 @@
           <a:p>
             <a:fld id="{64BD6DA8-F156-4E77-8B06-9BE776753821}" type="datetimeFigureOut">
               <a:rPr lang="zh-TW" altLang="en-US" smtClean="0"/>
-              <a:t>2017/7/7</a:t>
+              <a:t>2017/7/21</a:t>
             </a:fld>
             <a:endParaRPr lang="zh-TW" altLang="en-US"/>
           </a:p>
@@ -5058,7 +7558,7 @@
           <a:p>
             <a:fld id="{64BD6DA8-F156-4E77-8B06-9BE776753821}" type="datetimeFigureOut">
               <a:rPr lang="zh-TW" altLang="en-US" smtClean="0"/>
-              <a:t>2017/7/7</a:t>
+              <a:t>2017/7/21</a:t>
             </a:fld>
             <a:endParaRPr lang="zh-TW" altLang="en-US"/>
           </a:p>
@@ -5161,10 +7661,9 @@
           </a:lstStyle>
           <a:p>
             <a:r>
-              <a:rPr lang="zh-TW" altLang="en-US" smtClean="0"/>
+              <a:rPr lang="zh-TW" altLang="en-US"/>
               <a:t>按一下以編輯母片標題樣式</a:t>
             </a:r>
-            <a:endParaRPr lang="zh-TW" altLang="en-US"/>
           </a:p>
         </p:txBody>
       </p:sp>
@@ -5218,38 +7717,37 @@
           <a:p>
             <a:pPr lvl="0"/>
             <a:r>
-              <a:rPr lang="zh-TW" altLang="en-US" smtClean="0"/>
+              <a:rPr lang="zh-TW" altLang="en-US"/>
               <a:t>按一下以編輯母片文字樣式</a:t>
             </a:r>
           </a:p>
           <a:p>
             <a:pPr lvl="1"/>
             <a:r>
-              <a:rPr lang="zh-TW" altLang="en-US" smtClean="0"/>
+              <a:rPr lang="zh-TW" altLang="en-US"/>
               <a:t>第二層</a:t>
             </a:r>
           </a:p>
           <a:p>
             <a:pPr lvl="2"/>
             <a:r>
-              <a:rPr lang="zh-TW" altLang="en-US" smtClean="0"/>
+              <a:rPr lang="zh-TW" altLang="en-US"/>
               <a:t>第三層</a:t>
             </a:r>
           </a:p>
           <a:p>
             <a:pPr lvl="3"/>
             <a:r>
-              <a:rPr lang="zh-TW" altLang="en-US" smtClean="0"/>
+              <a:rPr lang="zh-TW" altLang="en-US"/>
               <a:t>第四層</a:t>
             </a:r>
           </a:p>
           <a:p>
             <a:pPr lvl="4"/>
             <a:r>
-              <a:rPr lang="zh-TW" altLang="en-US" smtClean="0"/>
+              <a:rPr lang="zh-TW" altLang="en-US"/>
               <a:t>第五層</a:t>
             </a:r>
-            <a:endParaRPr lang="zh-TW" altLang="en-US"/>
           </a:p>
         </p:txBody>
       </p:sp>
@@ -5312,7 +7810,7 @@
           <a:p>
             <a:pPr lvl="0"/>
             <a:r>
-              <a:rPr lang="zh-TW" altLang="en-US" smtClean="0"/>
+              <a:rPr lang="zh-TW" altLang="en-US"/>
               <a:t>按一下以編輯母片文字樣式</a:t>
             </a:r>
           </a:p>
@@ -5335,7 +7833,7 @@
           <a:p>
             <a:fld id="{64BD6DA8-F156-4E77-8B06-9BE776753821}" type="datetimeFigureOut">
               <a:rPr lang="zh-TW" altLang="en-US" smtClean="0"/>
-              <a:t>2017/7/7</a:t>
+              <a:t>2017/7/21</a:t>
             </a:fld>
             <a:endParaRPr lang="zh-TW" altLang="en-US"/>
           </a:p>
@@ -5438,10 +7936,9 @@
           </a:lstStyle>
           <a:p>
             <a:r>
-              <a:rPr lang="zh-TW" altLang="en-US" smtClean="0"/>
+              <a:rPr lang="zh-TW" altLang="en-US"/>
               <a:t>按一下以編輯母片標題樣式</a:t>
             </a:r>
-            <a:endParaRPr lang="zh-TW" altLang="en-US"/>
           </a:p>
         </p:txBody>
       </p:sp>
@@ -5565,7 +8062,7 @@
           <a:p>
             <a:pPr lvl="0"/>
             <a:r>
-              <a:rPr lang="zh-TW" altLang="en-US" smtClean="0"/>
+              <a:rPr lang="zh-TW" altLang="en-US"/>
               <a:t>按一下以編輯母片文字樣式</a:t>
             </a:r>
           </a:p>
@@ -5588,7 +8085,7 @@
           <a:p>
             <a:fld id="{64BD6DA8-F156-4E77-8B06-9BE776753821}" type="datetimeFigureOut">
               <a:rPr lang="zh-TW" altLang="en-US" smtClean="0"/>
-              <a:t>2017/7/7</a:t>
+              <a:t>2017/7/21</a:t>
             </a:fld>
             <a:endParaRPr lang="zh-TW" altLang="en-US"/>
           </a:p>
@@ -5697,10 +8194,9 @@
           <a:lstStyle/>
           <a:p>
             <a:r>
-              <a:rPr lang="zh-TW" altLang="en-US" smtClean="0"/>
+              <a:rPr lang="zh-TW" altLang="en-US"/>
               <a:t>按一下以編輯母片標題樣式</a:t>
             </a:r>
-            <a:endParaRPr lang="zh-TW" altLang="en-US"/>
           </a:p>
         </p:txBody>
       </p:sp>
@@ -5731,38 +8227,37 @@
           <a:p>
             <a:pPr lvl="0"/>
             <a:r>
-              <a:rPr lang="zh-TW" altLang="en-US" smtClean="0"/>
+              <a:rPr lang="zh-TW" altLang="en-US"/>
               <a:t>按一下以編輯母片文字樣式</a:t>
             </a:r>
           </a:p>
           <a:p>
             <a:pPr lvl="1"/>
             <a:r>
-              <a:rPr lang="zh-TW" altLang="en-US" smtClean="0"/>
+              <a:rPr lang="zh-TW" altLang="en-US"/>
               <a:t>第二層</a:t>
             </a:r>
           </a:p>
           <a:p>
             <a:pPr lvl="2"/>
             <a:r>
-              <a:rPr lang="zh-TW" altLang="en-US" smtClean="0"/>
+              <a:rPr lang="zh-TW" altLang="en-US"/>
               <a:t>第三層</a:t>
             </a:r>
           </a:p>
           <a:p>
             <a:pPr lvl="3"/>
             <a:r>
-              <a:rPr lang="zh-TW" altLang="en-US" smtClean="0"/>
+              <a:rPr lang="zh-TW" altLang="en-US"/>
               <a:t>第四層</a:t>
             </a:r>
           </a:p>
           <a:p>
             <a:pPr lvl="4"/>
             <a:r>
-              <a:rPr lang="zh-TW" altLang="en-US" smtClean="0"/>
+              <a:rPr lang="zh-TW" altLang="en-US"/>
               <a:t>第五層</a:t>
             </a:r>
-            <a:endParaRPr lang="zh-TW" altLang="en-US"/>
           </a:p>
         </p:txBody>
       </p:sp>
@@ -5801,7 +8296,7 @@
           <a:p>
             <a:fld id="{64BD6DA8-F156-4E77-8B06-9BE776753821}" type="datetimeFigureOut">
               <a:rPr lang="zh-TW" altLang="en-US" smtClean="0"/>
-              <a:t>2017/7/7</a:t>
+              <a:t>2017/7/21</a:t>
             </a:fld>
             <a:endParaRPr lang="zh-TW" altLang="en-US"/>
           </a:p>
@@ -6364,7 +8859,7 @@
           <a:lstStyle/>
           <a:p>
             <a:r>
-              <a:rPr lang="en-US" altLang="zh-TW" dirty="0" smtClean="0"/>
+              <a:rPr lang="en-US" altLang="zh-TW" dirty="0"/>
               <a:t>Date to epoch time</a:t>
             </a:r>
             <a:endParaRPr lang="zh-TW" altLang="en-US" dirty="0"/>
@@ -6387,20 +8882,16 @@
           <a:lstStyle/>
           <a:p>
             <a:r>
-              <a:rPr lang="en-US" altLang="zh-TW" b="1" dirty="0" smtClean="0"/>
+              <a:rPr lang="en-US" altLang="zh-TW" b="1" dirty="0"/>
               <a:t>Module:</a:t>
             </a:r>
             <a:r>
-              <a:rPr lang="en-US" altLang="zh-TW" dirty="0" smtClean="0"/>
+              <a:rPr lang="en-US" altLang="zh-TW" dirty="0"/>
               <a:t> </a:t>
             </a:r>
             <a:r>
-              <a:rPr lang="en-US" altLang="zh-TW" dirty="0" err="1" smtClean="0"/>
+              <a:rPr lang="en-US" altLang="zh-TW" dirty="0" err="1"/>
               <a:t>datetime</a:t>
-            </a:r>
-            <a:r>
-              <a:rPr lang="en-US" altLang="zh-TW" dirty="0"/>
-              <a:t/>
             </a:r>
             <a:br>
               <a:rPr lang="en-US" altLang="zh-TW" dirty="0"/>
@@ -6411,93 +8902,73 @@
             </a:r>
             <a:r>
               <a:rPr lang="en-US" altLang="zh-TW" dirty="0"/>
+              <a:t>('2014-01-01', '%Y-%m-%d')</a:t>
+            </a:r>
+            <a:br>
+              <a:rPr lang="en-US" altLang="zh-TW" dirty="0"/>
+            </a:br>
+            <a:r>
+              <a:rPr lang="en-US" altLang="zh-TW" dirty="0"/>
+              <a:t>- make </a:t>
+            </a:r>
+            <a:r>
+              <a:rPr lang="en-US" altLang="zh-TW" dirty="0" err="1"/>
+              <a:t>datetime.datetime</a:t>
+            </a:r>
+            <a:r>
+              <a:rPr lang="en-US" altLang="zh-TW" dirty="0"/>
+              <a:t> type</a:t>
+            </a:r>
+          </a:p>
+          <a:p>
+            <a:r>
+              <a:rPr lang="en-US" altLang="zh-TW" b="1" dirty="0"/>
+              <a:t>Module: </a:t>
+            </a:r>
+            <a:r>
+              <a:rPr lang="en-US" altLang="zh-TW" dirty="0"/>
+              <a:t>time</a:t>
+            </a:r>
+            <a:br>
+              <a:rPr lang="en-US" altLang="zh-TW" dirty="0"/>
+            </a:br>
+            <a:r>
+              <a:rPr lang="en-US" altLang="zh-TW" dirty="0"/>
+              <a:t>epoch = </a:t>
+            </a:r>
+            <a:r>
+              <a:rPr lang="en-US" altLang="zh-TW" dirty="0" err="1"/>
+              <a:t>time.mktime</a:t>
+            </a:r>
+            <a:r>
+              <a:rPr lang="en-US" altLang="zh-TW" dirty="0"/>
               <a:t>(</a:t>
             </a:r>
             <a:r>
-              <a:rPr lang="en-US" altLang="zh-TW" dirty="0" smtClean="0"/>
-              <a:t>'2014-01-01</a:t>
+              <a:rPr lang="en-US" altLang="zh-TW" dirty="0" err="1"/>
+              <a:t>date.timetuple</a:t>
             </a:r>
             <a:r>
               <a:rPr lang="en-US" altLang="zh-TW" dirty="0"/>
-              <a:t>', '%</a:t>
+              <a:t>())</a:t>
+            </a:r>
+            <a:br>
+              <a:rPr lang="en-US" altLang="zh-TW" dirty="0"/>
+            </a:br>
+            <a:r>
+              <a:rPr lang="en-US" altLang="zh-TW" dirty="0"/>
+              <a:t>- where date is a </a:t>
             </a:r>
             <a:r>
-              <a:rPr lang="en-US" altLang="zh-TW" dirty="0" smtClean="0"/>
-              <a:t>Y-%m-%d')</a:t>
-            </a:r>
-            <a:br>
-              <a:rPr lang="en-US" altLang="zh-TW" dirty="0" smtClean="0"/>
-            </a:br>
-            <a:r>
-              <a:rPr lang="en-US" altLang="zh-TW" dirty="0" smtClean="0"/>
-              <a:t>- </a:t>
+              <a:rPr lang="en-US" altLang="zh-TW" dirty="0" err="1"/>
+              <a:t>datetime.datetime</a:t>
             </a:r>
             <a:r>
               <a:rPr lang="en-US" altLang="zh-TW" dirty="0"/>
-              <a:t>make </a:t>
-            </a:r>
-            <a:r>
-              <a:rPr lang="en-US" altLang="zh-TW" dirty="0" err="1" smtClean="0"/>
-              <a:t>datetime.datetime</a:t>
-            </a:r>
-            <a:r>
-              <a:rPr lang="en-US" altLang="zh-TW" dirty="0" smtClean="0"/>
-              <a:t> type</a:t>
-            </a:r>
-          </a:p>
-          <a:p>
-            <a:r>
-              <a:rPr lang="en-US" altLang="zh-TW" b="1" dirty="0" smtClean="0"/>
-              <a:t>Module: </a:t>
-            </a:r>
-            <a:r>
-              <a:rPr lang="en-US" altLang="zh-TW" dirty="0" smtClean="0"/>
-              <a:t>time</a:t>
-            </a:r>
-            <a:br>
-              <a:rPr lang="en-US" altLang="zh-TW" dirty="0" smtClean="0"/>
-            </a:br>
-            <a:r>
-              <a:rPr lang="en-US" altLang="zh-TW" dirty="0" smtClean="0"/>
-              <a:t>epoch = </a:t>
-            </a:r>
-            <a:r>
-              <a:rPr lang="en-US" altLang="zh-TW" dirty="0" err="1" smtClean="0"/>
-              <a:t>time.mktime</a:t>
-            </a:r>
-            <a:r>
-              <a:rPr lang="en-US" altLang="zh-TW" dirty="0" smtClean="0"/>
-              <a:t>(</a:t>
-            </a:r>
-            <a:r>
-              <a:rPr lang="en-US" altLang="zh-TW" dirty="0" err="1" smtClean="0"/>
-              <a:t>date.timetuple</a:t>
-            </a:r>
-            <a:r>
-              <a:rPr lang="en-US" altLang="zh-TW" dirty="0" smtClean="0"/>
-              <a:t>())</a:t>
-            </a:r>
-            <a:br>
-              <a:rPr lang="en-US" altLang="zh-TW" dirty="0" smtClean="0"/>
-            </a:br>
-            <a:r>
-              <a:rPr lang="en-US" altLang="zh-TW" dirty="0" smtClean="0"/>
-              <a:t>- where </a:t>
-            </a:r>
-            <a:r>
-              <a:rPr lang="en-US" altLang="zh-TW" dirty="0"/>
-              <a:t>date is a </a:t>
-            </a:r>
-            <a:r>
-              <a:rPr lang="en-US" altLang="zh-TW" dirty="0" err="1" smtClean="0"/>
-              <a:t>datetime.datetime</a:t>
-            </a:r>
-            <a:r>
-              <a:rPr lang="en-US" altLang="zh-TW" dirty="0" smtClean="0"/>
               <a:t> type</a:t>
             </a:r>
             <a:br>
-              <a:rPr lang="en-US" altLang="zh-TW" dirty="0" smtClean="0"/>
+              <a:rPr lang="en-US" altLang="zh-TW" dirty="0"/>
             </a:br>
             <a:endParaRPr lang="zh-TW" altLang="en-US" dirty="0"/>
           </a:p>
@@ -6549,7 +9020,7 @@
           <a:lstStyle/>
           <a:p>
             <a:r>
-              <a:rPr lang="en-US" altLang="zh-TW" dirty="0" smtClean="0"/>
+              <a:rPr lang="en-US" altLang="zh-TW" dirty="0"/>
               <a:t>Epoch time to date</a:t>
             </a:r>
             <a:endParaRPr lang="zh-TW" altLang="en-US" dirty="0"/>
@@ -6572,61 +9043,49 @@
           <a:lstStyle/>
           <a:p>
             <a:r>
-              <a:rPr lang="en-US" altLang="zh-TW" b="1" dirty="0" smtClean="0"/>
+              <a:rPr lang="en-US" altLang="zh-TW" b="1" dirty="0"/>
               <a:t>Module: </a:t>
             </a:r>
             <a:r>
-              <a:rPr lang="en-US" altLang="zh-TW" dirty="0" smtClean="0"/>
+              <a:rPr lang="en-US" altLang="zh-TW" dirty="0"/>
               <a:t>time</a:t>
-            </a:r>
-            <a:r>
-              <a:rPr lang="en-US" altLang="zh-TW" dirty="0"/>
-              <a:t/>
             </a:r>
             <a:br>
               <a:rPr lang="en-US" altLang="zh-TW" dirty="0"/>
             </a:br>
             <a:r>
-              <a:rPr lang="en-US" altLang="zh-TW" dirty="0" smtClean="0"/>
+              <a:rPr lang="en-US" altLang="zh-TW" dirty="0"/>
               <a:t>string date = </a:t>
             </a:r>
             <a:r>
-              <a:rPr lang="en-US" altLang="zh-TW" dirty="0" err="1" smtClean="0"/>
+              <a:rPr lang="en-US" altLang="zh-TW" dirty="0" err="1"/>
               <a:t>time.strftime</a:t>
             </a:r>
             <a:r>
               <a:rPr lang="en-US" altLang="zh-TW" dirty="0"/>
-              <a:t>('%Y-%m-%</a:t>
+              <a:t>('%Y-%m-%d', </a:t>
             </a:r>
             <a:r>
-              <a:rPr lang="en-US" altLang="zh-TW" dirty="0" smtClean="0"/>
-              <a:t>d', </a:t>
-            </a:r>
-            <a:r>
-              <a:rPr lang="en-US" altLang="zh-TW" dirty="0" err="1" smtClean="0"/>
+              <a:rPr lang="en-US" altLang="zh-TW" dirty="0" err="1"/>
               <a:t>time.localtime</a:t>
             </a:r>
             <a:r>
-              <a:rPr lang="en-US" altLang="zh-TW" dirty="0" smtClean="0"/>
+              <a:rPr lang="en-US" altLang="zh-TW" dirty="0"/>
               <a:t>(foo))</a:t>
-            </a:r>
-            <a:r>
-              <a:rPr lang="en-US" altLang="zh-TW" dirty="0"/>
-              <a:t/>
             </a:r>
             <a:br>
               <a:rPr lang="en-US" altLang="zh-TW" dirty="0"/>
             </a:br>
             <a:r>
-              <a:rPr lang="en-US" altLang="zh-TW" dirty="0" smtClean="0"/>
+              <a:rPr lang="en-US" altLang="zh-TW" dirty="0"/>
               <a:t>- where foo is a </a:t>
             </a:r>
             <a:r>
-              <a:rPr lang="en-US" altLang="zh-TW" dirty="0" err="1" smtClean="0"/>
+              <a:rPr lang="en-US" altLang="zh-TW" dirty="0" err="1"/>
               <a:t>int</a:t>
             </a:r>
             <a:r>
-              <a:rPr lang="en-US" altLang="zh-TW" dirty="0" smtClean="0"/>
+              <a:rPr lang="en-US" altLang="zh-TW" dirty="0"/>
               <a:t>/float epoch time</a:t>
             </a:r>
             <a:endParaRPr lang="zh-TW" altLang="en-US" b="1" dirty="0"/>
@@ -6637,6 +9096,96 @@
     <p:extLst>
       <p:ext uri="{BB962C8B-B14F-4D97-AF65-F5344CB8AC3E}">
         <p14:creationId xmlns:p14="http://schemas.microsoft.com/office/powerpoint/2010/main" val="1082011450"/>
+      </p:ext>
+    </p:extLst>
+  </p:cSld>
+  <p:clrMapOvr>
+    <a:masterClrMapping/>
+  </p:clrMapOvr>
+</p:sld>
+</file>
+
+<file path=ppt/slides/slide5.xml><?xml version="1.0" encoding="utf-8"?>
+<p:sld xmlns:a="http://schemas.openxmlformats.org/drawingml/2006/main" xmlns:r="http://schemas.openxmlformats.org/officeDocument/2006/relationships" xmlns:p="http://schemas.openxmlformats.org/presentationml/2006/main">
+  <p:cSld>
+    <p:spTree>
+      <p:nvGrpSpPr>
+        <p:cNvPr id="1" name=""/>
+        <p:cNvGrpSpPr/>
+        <p:nvPr/>
+      </p:nvGrpSpPr>
+      <p:grpSpPr>
+        <a:xfrm>
+          <a:off x="0" y="0"/>
+          <a:ext cx="0" cy="0"/>
+          <a:chOff x="0" y="0"/>
+          <a:chExt cx="0" cy="0"/>
+        </a:xfrm>
+      </p:grpSpPr>
+      <p:sp>
+        <p:nvSpPr>
+          <p:cNvPr id="2" name="標題 1">
+            <a:extLst>
+              <a:ext uri="{FF2B5EF4-FFF2-40B4-BE49-F238E27FC236}">
+                <a16:creationId xmlns:a16="http://schemas.microsoft.com/office/drawing/2014/main" id="{35FCD601-2320-439F-9D31-69F42DE7C573}"/>
+              </a:ext>
+            </a:extLst>
+          </p:cNvPr>
+          <p:cNvSpPr>
+            <a:spLocks noGrp="1"/>
+          </p:cNvSpPr>
+          <p:nvPr>
+            <p:ph type="title"/>
+          </p:nvPr>
+        </p:nvSpPr>
+        <p:spPr/>
+        <p:txBody>
+          <a:bodyPr/>
+          <a:lstStyle/>
+          <a:p>
+            <a:r>
+              <a:rPr lang="en-US" altLang="zh-TW" dirty="0"/>
+              <a:t>Time series simulation flow</a:t>
+            </a:r>
+            <a:endParaRPr lang="zh-TW" altLang="en-US" dirty="0"/>
+          </a:p>
+        </p:txBody>
+      </p:sp>
+      <p:graphicFrame>
+        <p:nvGraphicFramePr>
+          <p:cNvPr id="4" name="內容版面配置區 3">
+            <a:extLst>
+              <a:ext uri="{FF2B5EF4-FFF2-40B4-BE49-F238E27FC236}">
+                <a16:creationId xmlns:a16="http://schemas.microsoft.com/office/drawing/2014/main" id="{8741FF32-36B1-4125-98E5-7885284D9E63}"/>
+              </a:ext>
+            </a:extLst>
+          </p:cNvPr>
+          <p:cNvGraphicFramePr>
+            <a:graphicFrameLocks noGrp="1"/>
+          </p:cNvGraphicFramePr>
+          <p:nvPr>
+            <p:ph idx="1"/>
+            <p:extLst>
+              <p:ext uri="{D42A27DB-BD31-4B8C-83A1-F6EECF244321}">
+                <p14:modId xmlns:p14="http://schemas.microsoft.com/office/powerpoint/2010/main" val="2594667048"/>
+              </p:ext>
+            </p:extLst>
+          </p:nvPr>
+        </p:nvGraphicFramePr>
+        <p:xfrm>
+          <a:off x="838200" y="1825625"/>
+          <a:ext cx="10515600" cy="4351338"/>
+        </p:xfrm>
+        <a:graphic>
+          <a:graphicData uri="http://schemas.openxmlformats.org/drawingml/2006/diagram">
+            <dgm:relIds xmlns:dgm="http://schemas.openxmlformats.org/drawingml/2006/diagram" xmlns:r="http://schemas.openxmlformats.org/officeDocument/2006/relationships" r:dm="rId2" r:lo="rId3" r:qs="rId4" r:cs="rId5"/>
+          </a:graphicData>
+        </a:graphic>
+      </p:graphicFrame>
+    </p:spTree>
+    <p:extLst>
+      <p:ext uri="{BB962C8B-B14F-4D97-AF65-F5344CB8AC3E}">
+        <p14:creationId xmlns:p14="http://schemas.microsoft.com/office/powerpoint/2010/main" val="2967839203"/>
       </p:ext>
     </p:extLst>
   </p:cSld>
